--- a/Projet_Réseau/Projet 2.pptx
+++ b/Projet_Réseau/Projet 2.pptx
@@ -8,6 +8,8 @@
     <p:sldId id="256" r:id="rId2"/>
     <p:sldId id="257" r:id="rId3"/>
     <p:sldId id="258" r:id="rId4"/>
+    <p:sldId id="260" r:id="rId5"/>
+    <p:sldId id="259" r:id="rId6"/>
   </p:sldIdLst>
   <p:sldSz cx="12192000" cy="6858000"/>
   <p:notesSz cx="6858000" cy="9144000"/>
@@ -106,7 +108,16 @@
       </a:defRPr>
     </a:lvl9pPr>
   </p:defaultTextStyle>
+  <p:extLst>
+    <p:ext uri="{EFAFB233-063F-42B5-8137-9DF3F51BA10A}">
+      <p15:sldGuideLst xmlns:p15="http://schemas.microsoft.com/office/powerpoint/2012/main"/>
+    </p:ext>
+  </p:extLst>
 </p:presentation>
+</file>
+
+<file path=ppt/revisionInfo.xml><?xml version="1.0" encoding="utf-8"?>
+<p1510:revInfo xmlns:a="http://schemas.openxmlformats.org/drawingml/2006/main" xmlns:r="http://schemas.openxmlformats.org/officeDocument/2006/relationships" xmlns:p1510="http://schemas.microsoft.com/office/powerpoint/2015/10/main"/>
 </file>
 
 <file path=ppt/slideLayouts/slideLayout1.xml><?xml version="1.0" encoding="utf-8"?>
@@ -3369,7 +3380,7 @@
           <a:bodyPr/>
           <a:lstStyle/>
           <a:p>
-            <a:endParaRPr lang="fr-FR"/>
+            <a:endParaRPr lang="fr-FR" dirty="0"/>
           </a:p>
         </p:txBody>
       </p:sp>
@@ -4176,32 +4187,93 @@
           <a:bodyPr/>
           <a:lstStyle/>
           <a:p>
+            <a:pPr algn="ctr"/>
+            <a:r>
+              <a:rPr lang="fr-FR" dirty="0"/>
+              <a:t>Matériel d’interconnexions</a:t>
+            </a:r>
+          </a:p>
+        </p:txBody>
+      </p:sp>
+      <p:sp>
+        <p:nvSpPr>
+          <p:cNvPr id="3" name="Espace réservé du contenu 2">
+            <a:extLst>
+              <a:ext uri="{FF2B5EF4-FFF2-40B4-BE49-F238E27FC236}">
+                <a16:creationId xmlns:a16="http://schemas.microsoft.com/office/drawing/2014/main" id="{FABA3375-55CE-4B4F-A198-C98EC69DD355}"/>
+              </a:ext>
+            </a:extLst>
+          </p:cNvPr>
+          <p:cNvSpPr>
+            <a:spLocks noGrp="1"/>
+          </p:cNvSpPr>
+          <p:nvPr>
+            <p:ph idx="1"/>
+          </p:nvPr>
+        </p:nvSpPr>
+        <p:spPr>
+          <a:xfrm>
+            <a:off x="1681579" y="2366851"/>
+            <a:ext cx="8120947" cy="3077703"/>
+          </a:xfrm>
+        </p:spPr>
+        <p:txBody>
+          <a:bodyPr/>
+          <a:lstStyle/>
+          <a:p>
+            <a:r>
+              <a:rPr lang="fr-FR" sz="1800" dirty="0"/>
+              <a:t>2 « Cisco </a:t>
+            </a:r>
+            <a:r>
+              <a:rPr lang="fr-FR" sz="1800" dirty="0" err="1"/>
+              <a:t>Systems</a:t>
+            </a:r>
+            <a:r>
+              <a:rPr lang="fr-FR" sz="1800" dirty="0"/>
+              <a:t> WS-C2950G-48-EI » (Switch à 48 ports RJ45)</a:t>
+            </a:r>
+          </a:p>
+          <a:p>
+            <a:r>
+              <a:rPr lang="fr-FR" sz="1800" dirty="0"/>
+              <a:t>15 « Cisco </a:t>
+            </a:r>
+            <a:r>
+              <a:rPr lang="fr-FR" sz="1800" dirty="0" err="1"/>
+              <a:t>Systems</a:t>
+            </a:r>
+            <a:r>
+              <a:rPr lang="fr-FR" sz="1800" dirty="0"/>
+              <a:t> WS-C2950-24 » (Switch à 24 ports RJ45)</a:t>
+            </a:r>
+          </a:p>
+          <a:p>
+            <a:r>
+              <a:rPr lang="fr-FR" sz="1800" dirty="0"/>
+              <a:t>TP-LINK TPL_TLSF1016D (Switch 16 ports RJ45)</a:t>
+            </a:r>
+          </a:p>
+          <a:p>
+            <a:r>
+              <a:rPr lang="fr-FR" sz="1800" dirty="0"/>
+              <a:t>2 D-Link DAP-2360 Point d'accès sans fil PoE (PA Wi-Fi)</a:t>
+            </a:r>
+          </a:p>
+          <a:p>
+            <a:r>
+              <a:rPr lang="fr-FR" sz="1800" dirty="0"/>
+              <a:t>RÉPÉTEUR NETGEAR WIFI N WN3000RP-200FRS (Répéteur Wi-Fi)</a:t>
+            </a:r>
+          </a:p>
+          <a:p>
             <a:endParaRPr lang="fr-FR" dirty="0"/>
           </a:p>
-        </p:txBody>
-      </p:sp>
-      <p:sp>
-        <p:nvSpPr>
-          <p:cNvPr id="3" name="Espace réservé du contenu 2">
-            <a:extLst>
-              <a:ext uri="{FF2B5EF4-FFF2-40B4-BE49-F238E27FC236}">
-                <a16:creationId xmlns:a16="http://schemas.microsoft.com/office/drawing/2014/main" id="{FABA3375-55CE-4B4F-A198-C98EC69DD355}"/>
-              </a:ext>
-            </a:extLst>
-          </p:cNvPr>
-          <p:cNvSpPr>
-            <a:spLocks noGrp="1"/>
-          </p:cNvSpPr>
-          <p:nvPr>
-            <p:ph idx="1"/>
-          </p:nvPr>
-        </p:nvSpPr>
-        <p:spPr/>
-        <p:txBody>
-          <a:bodyPr/>
-          <a:lstStyle/>
-          <a:p>
-            <a:endParaRPr lang="fr-FR"/>
+          <a:p>
+            <a:pPr marL="0" indent="0">
+              <a:buNone/>
+            </a:pPr>
+            <a:endParaRPr lang="fr-FR" dirty="0"/>
           </a:p>
         </p:txBody>
       </p:sp>
@@ -4209,6 +4281,237 @@
     <p:extLst>
       <p:ext uri="{BB962C8B-B14F-4D97-AF65-F5344CB8AC3E}">
         <p14:creationId xmlns:p14="http://schemas.microsoft.com/office/powerpoint/2010/main" val="3523803144"/>
+      </p:ext>
+    </p:extLst>
+  </p:cSld>
+  <p:clrMapOvr>
+    <a:masterClrMapping/>
+  </p:clrMapOvr>
+</p:sld>
+</file>
+
+<file path=ppt/slides/slide4.xml><?xml version="1.0" encoding="utf-8"?>
+<p:sld xmlns:a="http://schemas.openxmlformats.org/drawingml/2006/main" xmlns:r="http://schemas.openxmlformats.org/officeDocument/2006/relationships" xmlns:p="http://schemas.openxmlformats.org/presentationml/2006/main">
+  <p:cSld>
+    <p:spTree>
+      <p:nvGrpSpPr>
+        <p:cNvPr id="1" name=""/>
+        <p:cNvGrpSpPr/>
+        <p:nvPr/>
+      </p:nvGrpSpPr>
+      <p:grpSpPr>
+        <a:xfrm>
+          <a:off x="0" y="0"/>
+          <a:ext cx="0" cy="0"/>
+          <a:chOff x="0" y="0"/>
+          <a:chExt cx="0" cy="0"/>
+        </a:xfrm>
+      </p:grpSpPr>
+      <p:sp>
+        <p:nvSpPr>
+          <p:cNvPr id="2" name="Titre 1">
+            <a:extLst>
+              <a:ext uri="{FF2B5EF4-FFF2-40B4-BE49-F238E27FC236}">
+                <a16:creationId xmlns:a16="http://schemas.microsoft.com/office/drawing/2014/main" id="{1311FFFF-D306-4247-898F-A547B6E02CB1}"/>
+              </a:ext>
+            </a:extLst>
+          </p:cNvPr>
+          <p:cNvSpPr>
+            <a:spLocks noGrp="1"/>
+          </p:cNvSpPr>
+          <p:nvPr>
+            <p:ph type="title"/>
+          </p:nvPr>
+        </p:nvSpPr>
+        <p:spPr/>
+        <p:txBody>
+          <a:bodyPr/>
+          <a:lstStyle/>
+          <a:p>
+            <a:endParaRPr lang="fr-FR" dirty="0"/>
+          </a:p>
+        </p:txBody>
+      </p:sp>
+      <p:pic>
+        <p:nvPicPr>
+          <p:cNvPr id="4" name="Espace réservé du contenu 3">
+            <a:extLst>
+              <a:ext uri="{FF2B5EF4-FFF2-40B4-BE49-F238E27FC236}">
+                <a16:creationId xmlns:a16="http://schemas.microsoft.com/office/drawing/2014/main" id="{E3A836DC-20D9-4E24-9AA8-8CAAEA4D0D40}"/>
+              </a:ext>
+            </a:extLst>
+          </p:cNvPr>
+          <p:cNvPicPr>
+            <a:picLocks noGrp="1" noChangeAspect="1"/>
+          </p:cNvPicPr>
+          <p:nvPr>
+            <p:ph idx="1"/>
+          </p:nvPr>
+        </p:nvPicPr>
+        <p:blipFill>
+          <a:blip r:embed="rId2"/>
+          <a:stretch>
+            <a:fillRect/>
+          </a:stretch>
+        </p:blipFill>
+        <p:spPr>
+          <a:xfrm>
+            <a:off x="5785226" y="2000250"/>
+            <a:ext cx="2071688" cy="2071688"/>
+          </a:xfrm>
+          <a:prstGeom prst="rect">
+            <a:avLst/>
+          </a:prstGeom>
+        </p:spPr>
+      </p:pic>
+      <p:pic>
+        <p:nvPicPr>
+          <p:cNvPr id="5" name="Image 4">
+            <a:extLst>
+              <a:ext uri="{FF2B5EF4-FFF2-40B4-BE49-F238E27FC236}">
+                <a16:creationId xmlns:a16="http://schemas.microsoft.com/office/drawing/2014/main" id="{A2CEF1AE-0BBD-46F9-B86C-C10D10AE4636}"/>
+              </a:ext>
+            </a:extLst>
+          </p:cNvPr>
+          <p:cNvPicPr>
+            <a:picLocks noChangeAspect="1"/>
+          </p:cNvPicPr>
+          <p:nvPr/>
+        </p:nvPicPr>
+        <p:blipFill rotWithShape="1">
+          <a:blip r:embed="rId3"/>
+          <a:srcRect l="33206" r="32064"/>
+          <a:stretch/>
+        </p:blipFill>
+        <p:spPr>
+          <a:xfrm>
+            <a:off x="8274008" y="2094356"/>
+            <a:ext cx="1235242" cy="1977582"/>
+          </a:xfrm>
+          <a:prstGeom prst="rect">
+            <a:avLst/>
+          </a:prstGeom>
+        </p:spPr>
+      </p:pic>
+    </p:spTree>
+    <p:extLst>
+      <p:ext uri="{BB962C8B-B14F-4D97-AF65-F5344CB8AC3E}">
+        <p14:creationId xmlns:p14="http://schemas.microsoft.com/office/powerpoint/2010/main" val="2134158528"/>
+      </p:ext>
+    </p:extLst>
+  </p:cSld>
+  <p:clrMapOvr>
+    <a:masterClrMapping/>
+  </p:clrMapOvr>
+</p:sld>
+</file>
+
+<file path=ppt/slides/slide5.xml><?xml version="1.0" encoding="utf-8"?>
+<p:sld xmlns:a="http://schemas.openxmlformats.org/drawingml/2006/main" xmlns:r="http://schemas.openxmlformats.org/officeDocument/2006/relationships" xmlns:p="http://schemas.openxmlformats.org/presentationml/2006/main">
+  <p:cSld>
+    <p:spTree>
+      <p:nvGrpSpPr>
+        <p:cNvPr id="1" name=""/>
+        <p:cNvGrpSpPr/>
+        <p:nvPr/>
+      </p:nvGrpSpPr>
+      <p:grpSpPr>
+        <a:xfrm>
+          <a:off x="0" y="0"/>
+          <a:ext cx="0" cy="0"/>
+          <a:chOff x="0" y="0"/>
+          <a:chExt cx="0" cy="0"/>
+        </a:xfrm>
+      </p:grpSpPr>
+      <p:sp>
+        <p:nvSpPr>
+          <p:cNvPr id="2" name="Titre 1">
+            <a:extLst>
+              <a:ext uri="{FF2B5EF4-FFF2-40B4-BE49-F238E27FC236}">
+                <a16:creationId xmlns:a16="http://schemas.microsoft.com/office/drawing/2014/main" id="{EBCD369D-0FA7-4AED-B518-D5623DC1288F}"/>
+              </a:ext>
+            </a:extLst>
+          </p:cNvPr>
+          <p:cNvSpPr>
+            <a:spLocks noGrp="1"/>
+          </p:cNvSpPr>
+          <p:nvPr>
+            <p:ph type="title"/>
+          </p:nvPr>
+        </p:nvSpPr>
+        <p:spPr/>
+        <p:txBody>
+          <a:bodyPr/>
+          <a:lstStyle/>
+          <a:p>
+            <a:pPr algn="ctr"/>
+            <a:r>
+              <a:rPr lang="fr-FR"/>
+              <a:t>Budget interconnexions</a:t>
+            </a:r>
+            <a:endParaRPr lang="fr-FR" dirty="0"/>
+          </a:p>
+        </p:txBody>
+      </p:sp>
+      <p:sp>
+        <p:nvSpPr>
+          <p:cNvPr id="3" name="Espace réservé du contenu 2">
+            <a:extLst>
+              <a:ext uri="{FF2B5EF4-FFF2-40B4-BE49-F238E27FC236}">
+                <a16:creationId xmlns:a16="http://schemas.microsoft.com/office/drawing/2014/main" id="{F7B9386E-351C-444C-BD8A-9D9FAC7BF9A2}"/>
+              </a:ext>
+            </a:extLst>
+          </p:cNvPr>
+          <p:cNvSpPr>
+            <a:spLocks noGrp="1"/>
+          </p:cNvSpPr>
+          <p:nvPr>
+            <p:ph idx="1"/>
+          </p:nvPr>
+        </p:nvSpPr>
+        <p:spPr/>
+        <p:txBody>
+          <a:bodyPr/>
+          <a:lstStyle/>
+          <a:p>
+            <a:r>
+              <a:rPr lang="fr-FR" dirty="0"/>
+              <a:t>Switch 16 ports : 29,99 €</a:t>
+            </a:r>
+          </a:p>
+          <a:p>
+            <a:r>
+              <a:rPr lang="fr-FR" dirty="0"/>
+              <a:t>Switch 24 ports : 1047,75 €</a:t>
+            </a:r>
+          </a:p>
+          <a:p>
+            <a:r>
+              <a:rPr lang="fr-FR" dirty="0"/>
+              <a:t>Switch 48 ports : 182,26 €</a:t>
+            </a:r>
+          </a:p>
+          <a:p>
+            <a:r>
+              <a:rPr lang="fr-FR" dirty="0"/>
+              <a:t>Point d’accès Wi-Fi : 265,90 €</a:t>
+            </a:r>
+          </a:p>
+          <a:p>
+            <a:r>
+              <a:rPr lang="fr-FR" dirty="0"/>
+              <a:t>Répéteur Wi-Fi : 34,99€</a:t>
+            </a:r>
+          </a:p>
+          <a:p>
+            <a:endParaRPr lang="fr-FR" dirty="0"/>
+          </a:p>
+        </p:txBody>
+      </p:sp>
+    </p:spTree>
+    <p:extLst>
+      <p:ext uri="{BB962C8B-B14F-4D97-AF65-F5344CB8AC3E}">
+        <p14:creationId xmlns:p14="http://schemas.microsoft.com/office/powerpoint/2010/main" val="250398951"/>
       </p:ext>
     </p:extLst>
   </p:cSld>

--- a/Projet_Réseau/Projet 2.pptx
+++ b/Projet_Réseau/Projet 2.pptx
@@ -4213,7 +4213,7 @@
         </p:nvSpPr>
         <p:spPr>
           <a:xfrm>
-            <a:off x="1681579" y="2366851"/>
+            <a:off x="1725967" y="2153787"/>
             <a:ext cx="8120947" cy="3077703"/>
           </a:xfrm>
         </p:spPr>
@@ -4251,23 +4251,23 @@
           <a:p>
             <a:r>
               <a:rPr lang="fr-FR" sz="1800" dirty="0"/>
-              <a:t>TP-LINK TPL_TLSF1016D (Switch 16 ports RJ45)</a:t>
+              <a:t>1 « TP-LINK TPL_TLSF1016D » (Switch 16 ports RJ45)</a:t>
             </a:r>
           </a:p>
           <a:p>
             <a:r>
               <a:rPr lang="fr-FR" sz="1800" dirty="0"/>
-              <a:t>2 D-Link DAP-2360 Point d'accès sans fil PoE (PA Wi-Fi)</a:t>
+              <a:t>2 « D-Link DAP-2360 Point d'accès sans fil PoE »(PA Wi-Fi)</a:t>
             </a:r>
           </a:p>
           <a:p>
             <a:r>
               <a:rPr lang="fr-FR" sz="1800" dirty="0"/>
-              <a:t>RÉPÉTEUR NETGEAR WIFI N WN3000RP-200FRS (Répéteur Wi-Fi)</a:t>
-            </a:r>
-          </a:p>
-          <a:p>
-            <a:endParaRPr lang="fr-FR" dirty="0"/>
+              <a:t>« « 1 RÉPÉTEUR NETGEAR WIFI N WN3000RP-200FRS (Répéteur Wi-Fi) » »</a:t>
+            </a:r>
+          </a:p>
+          <a:p>
+            <a:endParaRPr lang="fr-FR" sz="1800" dirty="0"/>
           </a:p>
           <a:p>
             <a:pPr marL="0" indent="0">
@@ -4328,7 +4328,11 @@
           <a:bodyPr/>
           <a:lstStyle/>
           <a:p>
-            <a:endParaRPr lang="fr-FR" dirty="0"/>
+            <a:pPr algn="ctr"/>
+            <a:r>
+              <a:rPr lang="fr-FR" dirty="0"/>
+              <a:t>Visualisation du matériel</a:t>
+            </a:r>
           </a:p>
         </p:txBody>
       </p:sp>
@@ -4356,7 +4360,7 @@
         </p:blipFill>
         <p:spPr>
           <a:xfrm>
-            <a:off x="5785226" y="2000250"/>
+            <a:off x="7622287" y="2483201"/>
             <a:ext cx="2071688" cy="2071688"/>
           </a:xfrm>
           <a:prstGeom prst="rect">
@@ -4385,8 +4389,98 @@
         </p:blipFill>
         <p:spPr>
           <a:xfrm>
-            <a:off x="8274008" y="2094356"/>
+            <a:off x="9915983" y="2660754"/>
             <a:ext cx="1235242" cy="1977582"/>
+          </a:xfrm>
+          <a:prstGeom prst="rect">
+            <a:avLst/>
+          </a:prstGeom>
+        </p:spPr>
+      </p:pic>
+      <p:pic>
+        <p:nvPicPr>
+          <p:cNvPr id="3" name="Image 2">
+            <a:extLst>
+              <a:ext uri="{FF2B5EF4-FFF2-40B4-BE49-F238E27FC236}">
+                <a16:creationId xmlns:a16="http://schemas.microsoft.com/office/drawing/2014/main" id="{3C51C76F-D36A-4FBB-8E4A-CEA52CA72BC6}"/>
+              </a:ext>
+            </a:extLst>
+          </p:cNvPr>
+          <p:cNvPicPr>
+            <a:picLocks noChangeAspect="1"/>
+          </p:cNvPicPr>
+          <p:nvPr/>
+        </p:nvPicPr>
+        <p:blipFill>
+          <a:blip r:embed="rId4"/>
+          <a:stretch>
+            <a:fillRect/>
+          </a:stretch>
+        </p:blipFill>
+        <p:spPr>
+          <a:xfrm>
+            <a:off x="1431255" y="3734554"/>
+            <a:ext cx="2810305" cy="1873537"/>
+          </a:xfrm>
+          <a:prstGeom prst="rect">
+            <a:avLst/>
+          </a:prstGeom>
+        </p:spPr>
+      </p:pic>
+      <p:pic>
+        <p:nvPicPr>
+          <p:cNvPr id="6" name="Image 5">
+            <a:extLst>
+              <a:ext uri="{FF2B5EF4-FFF2-40B4-BE49-F238E27FC236}">
+                <a16:creationId xmlns:a16="http://schemas.microsoft.com/office/drawing/2014/main" id="{67FC0AF8-DA61-4334-B064-BCF9B3A149F3}"/>
+              </a:ext>
+            </a:extLst>
+          </p:cNvPr>
+          <p:cNvPicPr>
+            <a:picLocks noChangeAspect="1"/>
+          </p:cNvPicPr>
+          <p:nvPr/>
+        </p:nvPicPr>
+        <p:blipFill>
+          <a:blip r:embed="rId5"/>
+          <a:stretch>
+            <a:fillRect/>
+          </a:stretch>
+        </p:blipFill>
+        <p:spPr>
+          <a:xfrm>
+            <a:off x="4779727" y="3667339"/>
+            <a:ext cx="2366798" cy="1775099"/>
+          </a:xfrm>
+          <a:prstGeom prst="rect">
+            <a:avLst/>
+          </a:prstGeom>
+        </p:spPr>
+      </p:pic>
+      <p:pic>
+        <p:nvPicPr>
+          <p:cNvPr id="7" name="Image 6">
+            <a:extLst>
+              <a:ext uri="{FF2B5EF4-FFF2-40B4-BE49-F238E27FC236}">
+                <a16:creationId xmlns:a16="http://schemas.microsoft.com/office/drawing/2014/main" id="{854FEB2F-E064-49BA-866F-62F23B6FD676}"/>
+              </a:ext>
+            </a:extLst>
+          </p:cNvPr>
+          <p:cNvPicPr>
+            <a:picLocks noChangeAspect="1"/>
+          </p:cNvPicPr>
+          <p:nvPr/>
+        </p:nvPicPr>
+        <p:blipFill>
+          <a:blip r:embed="rId6"/>
+          <a:stretch>
+            <a:fillRect/>
+          </a:stretch>
+        </p:blipFill>
+        <p:spPr>
+          <a:xfrm>
+            <a:off x="2835891" y="2006633"/>
+            <a:ext cx="2810307" cy="1873537"/>
           </a:xfrm>
           <a:prstGeom prst="rect">
             <a:avLst/>

--- a/Projet_Réseau/Projet 2.pptx
+++ b/Projet_Réseau/Projet 2.pptx
@@ -4214,7 +4214,7 @@
         <p:spPr>
           <a:xfrm>
             <a:off x="1725967" y="2153787"/>
-            <a:ext cx="8120947" cy="3077703"/>
+            <a:ext cx="8120947" cy="4339088"/>
           </a:xfrm>
         </p:spPr>
         <p:txBody>
@@ -4267,13 +4267,27 @@
             </a:r>
           </a:p>
           <a:p>
+            <a:r>
+              <a:rPr lang="fr-FR" sz="1800" dirty="0"/>
+              <a:t>Câble Ethernet 15M CAT5E (câble RJ45)</a:t>
+            </a:r>
+          </a:p>
+          <a:p>
+            <a:r>
+              <a:rPr lang="fr-FR" sz="1800" dirty="0"/>
+              <a:t>Lenovo </a:t>
+            </a:r>
+            <a:r>
+              <a:rPr lang="fr-FR" sz="1800" dirty="0" err="1"/>
+              <a:t>ThinkServer</a:t>
+            </a:r>
+            <a:r>
+              <a:rPr lang="fr-FR" sz="1800" dirty="0"/>
+              <a:t> RS160 (70TG0028EA) (Serveur)</a:t>
+            </a:r>
+          </a:p>
+          <a:p>
             <a:endParaRPr lang="fr-FR" sz="1800" dirty="0"/>
-          </a:p>
-          <a:p>
-            <a:pPr marL="0" indent="0">
-              <a:buNone/>
-            </a:pPr>
-            <a:endParaRPr lang="fr-FR" dirty="0"/>
           </a:p>
         </p:txBody>
       </p:sp>
@@ -4594,11 +4608,20 @@
           <a:p>
             <a:r>
               <a:rPr lang="fr-FR" dirty="0"/>
-              <a:t>Répéteur Wi-Fi : 34,99€</a:t>
-            </a:r>
-          </a:p>
-          <a:p>
-            <a:endParaRPr lang="fr-FR" dirty="0"/>
+              <a:t>Répéteur Wi-Fi : 34,99 €</a:t>
+            </a:r>
+          </a:p>
+          <a:p>
+            <a:r>
+              <a:rPr lang="fr-FR" dirty="0"/>
+              <a:t>Câble Ethernet 15m: </a:t>
+            </a:r>
+          </a:p>
+          <a:p>
+            <a:r>
+              <a:rPr lang="fr-FR" dirty="0"/>
+              <a:t>Serveur CS : GO : 929,95 €</a:t>
+            </a:r>
           </a:p>
         </p:txBody>
       </p:sp>

--- a/Projet_Réseau/Projet 2.pptx
+++ b/Projet_Réseau/Projet 2.pptx
@@ -8,8 +8,9 @@
     <p:sldId id="256" r:id="rId2"/>
     <p:sldId id="257" r:id="rId3"/>
     <p:sldId id="258" r:id="rId4"/>
-    <p:sldId id="260" r:id="rId5"/>
-    <p:sldId id="259" r:id="rId6"/>
+    <p:sldId id="261" r:id="rId5"/>
+    <p:sldId id="260" r:id="rId6"/>
+    <p:sldId id="259" r:id="rId7"/>
   </p:sldIdLst>
   <p:sldSz cx="12192000" cy="6858000"/>
   <p:notesSz cx="6858000" cy="9144000"/>
@@ -267,7 +268,7 @@
           <a:p>
             <a:fld id="{D030C7C0-EEB2-4716-AD63-E01D068BA1F9}" type="datetimeFigureOut">
               <a:rPr lang="fr-FR" smtClean="0"/>
-              <a:t>19/12/2017</a:t>
+              <a:t>20/12/2017</a:t>
             </a:fld>
             <a:endParaRPr lang="fr-FR"/>
           </a:p>
@@ -465,7 +466,7 @@
           <a:p>
             <a:fld id="{D030C7C0-EEB2-4716-AD63-E01D068BA1F9}" type="datetimeFigureOut">
               <a:rPr lang="fr-FR" smtClean="0"/>
-              <a:t>19/12/2017</a:t>
+              <a:t>20/12/2017</a:t>
             </a:fld>
             <a:endParaRPr lang="fr-FR"/>
           </a:p>
@@ -673,7 +674,7 @@
           <a:p>
             <a:fld id="{D030C7C0-EEB2-4716-AD63-E01D068BA1F9}" type="datetimeFigureOut">
               <a:rPr lang="fr-FR" smtClean="0"/>
-              <a:t>19/12/2017</a:t>
+              <a:t>20/12/2017</a:t>
             </a:fld>
             <a:endParaRPr lang="fr-FR"/>
           </a:p>
@@ -871,7 +872,7 @@
           <a:p>
             <a:fld id="{D030C7C0-EEB2-4716-AD63-E01D068BA1F9}" type="datetimeFigureOut">
               <a:rPr lang="fr-FR" smtClean="0"/>
-              <a:t>19/12/2017</a:t>
+              <a:t>20/12/2017</a:t>
             </a:fld>
             <a:endParaRPr lang="fr-FR"/>
           </a:p>
@@ -1146,7 +1147,7 @@
           <a:p>
             <a:fld id="{D030C7C0-EEB2-4716-AD63-E01D068BA1F9}" type="datetimeFigureOut">
               <a:rPr lang="fr-FR" smtClean="0"/>
-              <a:t>19/12/2017</a:t>
+              <a:t>20/12/2017</a:t>
             </a:fld>
             <a:endParaRPr lang="fr-FR"/>
           </a:p>
@@ -1411,7 +1412,7 @@
           <a:p>
             <a:fld id="{D030C7C0-EEB2-4716-AD63-E01D068BA1F9}" type="datetimeFigureOut">
               <a:rPr lang="fr-FR" smtClean="0"/>
-              <a:t>19/12/2017</a:t>
+              <a:t>20/12/2017</a:t>
             </a:fld>
             <a:endParaRPr lang="fr-FR"/>
           </a:p>
@@ -1823,7 +1824,7 @@
           <a:p>
             <a:fld id="{D030C7C0-EEB2-4716-AD63-E01D068BA1F9}" type="datetimeFigureOut">
               <a:rPr lang="fr-FR" smtClean="0"/>
-              <a:t>19/12/2017</a:t>
+              <a:t>20/12/2017</a:t>
             </a:fld>
             <a:endParaRPr lang="fr-FR"/>
           </a:p>
@@ -1964,7 +1965,7 @@
           <a:p>
             <a:fld id="{D030C7C0-EEB2-4716-AD63-E01D068BA1F9}" type="datetimeFigureOut">
               <a:rPr lang="fr-FR" smtClean="0"/>
-              <a:t>19/12/2017</a:t>
+              <a:t>20/12/2017</a:t>
             </a:fld>
             <a:endParaRPr lang="fr-FR"/>
           </a:p>
@@ -2077,7 +2078,7 @@
           <a:p>
             <a:fld id="{D030C7C0-EEB2-4716-AD63-E01D068BA1F9}" type="datetimeFigureOut">
               <a:rPr lang="fr-FR" smtClean="0"/>
-              <a:t>19/12/2017</a:t>
+              <a:t>20/12/2017</a:t>
             </a:fld>
             <a:endParaRPr lang="fr-FR"/>
           </a:p>
@@ -2388,7 +2389,7 @@
           <a:p>
             <a:fld id="{D030C7C0-EEB2-4716-AD63-E01D068BA1F9}" type="datetimeFigureOut">
               <a:rPr lang="fr-FR" smtClean="0"/>
-              <a:t>19/12/2017</a:t>
+              <a:t>20/12/2017</a:t>
             </a:fld>
             <a:endParaRPr lang="fr-FR"/>
           </a:p>
@@ -2676,7 +2677,7 @@
           <a:p>
             <a:fld id="{D030C7C0-EEB2-4716-AD63-E01D068BA1F9}" type="datetimeFigureOut">
               <a:rPr lang="fr-FR" smtClean="0"/>
-              <a:t>19/12/2017</a:t>
+              <a:t>20/12/2017</a:t>
             </a:fld>
             <a:endParaRPr lang="fr-FR"/>
           </a:p>
@@ -2917,7 +2918,7 @@
           <a:p>
             <a:fld id="{D030C7C0-EEB2-4716-AD63-E01D068BA1F9}" type="datetimeFigureOut">
               <a:rPr lang="fr-FR" smtClean="0"/>
-              <a:t>19/12/2017</a:t>
+              <a:t>20/12/2017</a:t>
             </a:fld>
             <a:endParaRPr lang="fr-FR"/>
           </a:p>
@@ -4257,6 +4258,12 @@
           <a:p>
             <a:r>
               <a:rPr lang="fr-FR" sz="1800" dirty="0"/>
+              <a:t>1 D-Link DES-108 (Switch 8 ports)</a:t>
+            </a:r>
+          </a:p>
+          <a:p>
+            <a:r>
+              <a:rPr lang="fr-FR" sz="1800" dirty="0"/>
               <a:t>2 « D-Link DAP-2360 Point d'accès sans fil PoE »(PA Wi-Fi)</a:t>
             </a:r>
           </a:p>
@@ -4305,6 +4312,96 @@
 </file>
 
 <file path=ppt/slides/slide4.xml><?xml version="1.0" encoding="utf-8"?>
+<p:sld xmlns:a="http://schemas.openxmlformats.org/drawingml/2006/main" xmlns:r="http://schemas.openxmlformats.org/officeDocument/2006/relationships" xmlns:p="http://schemas.openxmlformats.org/presentationml/2006/main">
+  <p:cSld>
+    <p:spTree>
+      <p:nvGrpSpPr>
+        <p:cNvPr id="1" name=""/>
+        <p:cNvGrpSpPr/>
+        <p:nvPr/>
+      </p:nvGrpSpPr>
+      <p:grpSpPr>
+        <a:xfrm>
+          <a:off x="0" y="0"/>
+          <a:ext cx="0" cy="0"/>
+          <a:chOff x="0" y="0"/>
+          <a:chExt cx="0" cy="0"/>
+        </a:xfrm>
+      </p:grpSpPr>
+      <p:sp>
+        <p:nvSpPr>
+          <p:cNvPr id="2" name="Titre 1">
+            <a:extLst>
+              <a:ext uri="{FF2B5EF4-FFF2-40B4-BE49-F238E27FC236}">
+                <a16:creationId xmlns:a16="http://schemas.microsoft.com/office/drawing/2014/main" id="{56E9802A-B5AD-4FA2-A6FF-7810D2566C39}"/>
+              </a:ext>
+            </a:extLst>
+          </p:cNvPr>
+          <p:cNvSpPr>
+            <a:spLocks noGrp="1"/>
+          </p:cNvSpPr>
+          <p:nvPr>
+            <p:ph type="title"/>
+          </p:nvPr>
+        </p:nvSpPr>
+        <p:spPr/>
+        <p:txBody>
+          <a:bodyPr/>
+          <a:lstStyle/>
+          <a:p>
+            <a:r>
+              <a:rPr lang="fr-FR" dirty="0"/>
+              <a:t>Matériel Classique</a:t>
+            </a:r>
+          </a:p>
+        </p:txBody>
+      </p:sp>
+      <p:sp>
+        <p:nvSpPr>
+          <p:cNvPr id="3" name="Espace réservé du contenu 2">
+            <a:extLst>
+              <a:ext uri="{FF2B5EF4-FFF2-40B4-BE49-F238E27FC236}">
+                <a16:creationId xmlns:a16="http://schemas.microsoft.com/office/drawing/2014/main" id="{559414E4-B11F-459F-AC65-1A76AE222873}"/>
+              </a:ext>
+            </a:extLst>
+          </p:cNvPr>
+          <p:cNvSpPr>
+            <a:spLocks noGrp="1"/>
+          </p:cNvSpPr>
+          <p:nvPr>
+            <p:ph idx="1"/>
+          </p:nvPr>
+        </p:nvSpPr>
+        <p:spPr/>
+        <p:txBody>
+          <a:bodyPr/>
+          <a:lstStyle/>
+          <a:p>
+            <a:r>
+              <a:rPr lang="fr-FR" dirty="0"/>
+              <a:t>Tables </a:t>
+            </a:r>
+            <a:r>
+              <a:rPr lang="fr-FR"/>
+              <a:t>et chaises</a:t>
+            </a:r>
+          </a:p>
+        </p:txBody>
+      </p:sp>
+    </p:spTree>
+    <p:extLst>
+      <p:ext uri="{BB962C8B-B14F-4D97-AF65-F5344CB8AC3E}">
+        <p14:creationId xmlns:p14="http://schemas.microsoft.com/office/powerpoint/2010/main" val="2690955881"/>
+      </p:ext>
+    </p:extLst>
+  </p:cSld>
+  <p:clrMapOvr>
+    <a:masterClrMapping/>
+  </p:clrMapOvr>
+</p:sld>
+</file>
+
+<file path=ppt/slides/slide5.xml><?xml version="1.0" encoding="utf-8"?>
 <p:sld xmlns:a="http://schemas.openxmlformats.org/drawingml/2006/main" xmlns:r="http://schemas.openxmlformats.org/officeDocument/2006/relationships" xmlns:p="http://schemas.openxmlformats.org/presentationml/2006/main">
   <p:cSld>
     <p:spTree>
@@ -4514,7 +4611,7 @@
 </p:sld>
 </file>
 
-<file path=ppt/slides/slide5.xml><?xml version="1.0" encoding="utf-8"?>
+<file path=ppt/slides/slide6.xml><?xml version="1.0" encoding="utf-8"?>
 <p:sld xmlns:a="http://schemas.openxmlformats.org/drawingml/2006/main" xmlns:r="http://schemas.openxmlformats.org/officeDocument/2006/relationships" xmlns:p="http://schemas.openxmlformats.org/presentationml/2006/main">
   <p:cSld>
     <p:spTree>
@@ -4581,6 +4678,12 @@
         <p:txBody>
           <a:bodyPr/>
           <a:lstStyle/>
+          <a:p>
+            <a:r>
+              <a:rPr lang="fr-FR" dirty="0"/>
+              <a:t>Switch 8 ports : 19,90 €</a:t>
+            </a:r>
+          </a:p>
           <a:p>
             <a:r>
               <a:rPr lang="fr-FR" dirty="0"/>

--- a/Projet_Réseau/Projet 2.pptx
+++ b/Projet_Réseau/Projet 2.pptx
@@ -8,9 +8,10 @@
     <p:sldId id="256" r:id="rId2"/>
     <p:sldId id="257" r:id="rId3"/>
     <p:sldId id="258" r:id="rId4"/>
-    <p:sldId id="261" r:id="rId5"/>
-    <p:sldId id="260" r:id="rId6"/>
-    <p:sldId id="259" r:id="rId7"/>
+    <p:sldId id="262" r:id="rId5"/>
+    <p:sldId id="261" r:id="rId6"/>
+    <p:sldId id="260" r:id="rId7"/>
+    <p:sldId id="259" r:id="rId8"/>
   </p:sldIdLst>
   <p:sldSz cx="12192000" cy="6858000"/>
   <p:notesSz cx="6858000" cy="9144000"/>
@@ -4276,12 +4277,6 @@
           <a:p>
             <a:r>
               <a:rPr lang="fr-FR" sz="1800" dirty="0"/>
-              <a:t>Câble Ethernet 15M CAT5E (câble RJ45)</a:t>
-            </a:r>
-          </a:p>
-          <a:p>
-            <a:r>
-              <a:rPr lang="fr-FR" sz="1800" dirty="0"/>
               <a:t>Lenovo </a:t>
             </a:r>
             <a:r>
@@ -4333,6 +4328,117 @@
           <p:cNvPr id="2" name="Titre 1">
             <a:extLst>
               <a:ext uri="{FF2B5EF4-FFF2-40B4-BE49-F238E27FC236}">
+                <a16:creationId xmlns:a16="http://schemas.microsoft.com/office/drawing/2014/main" id="{0F4978CF-99F6-404A-A1A1-9D199D5E4E3F}"/>
+              </a:ext>
+            </a:extLst>
+          </p:cNvPr>
+          <p:cNvSpPr>
+            <a:spLocks noGrp="1"/>
+          </p:cNvSpPr>
+          <p:nvPr>
+            <p:ph type="title"/>
+          </p:nvPr>
+        </p:nvSpPr>
+        <p:spPr/>
+        <p:txBody>
+          <a:bodyPr/>
+          <a:lstStyle/>
+          <a:p>
+            <a:pPr algn="ctr"/>
+            <a:r>
+              <a:rPr lang="fr-FR" dirty="0"/>
+              <a:t>Câbles nécessaires</a:t>
+            </a:r>
+          </a:p>
+        </p:txBody>
+      </p:sp>
+      <p:sp>
+        <p:nvSpPr>
+          <p:cNvPr id="3" name="Espace réservé du contenu 2">
+            <a:extLst>
+              <a:ext uri="{FF2B5EF4-FFF2-40B4-BE49-F238E27FC236}">
+                <a16:creationId xmlns:a16="http://schemas.microsoft.com/office/drawing/2014/main" id="{D9896295-F766-425C-9496-37F29BBE8B8B}"/>
+              </a:ext>
+            </a:extLst>
+          </p:cNvPr>
+          <p:cNvSpPr>
+            <a:spLocks noGrp="1"/>
+          </p:cNvSpPr>
+          <p:nvPr>
+            <p:ph idx="1"/>
+          </p:nvPr>
+        </p:nvSpPr>
+        <p:spPr/>
+        <p:txBody>
+          <a:bodyPr/>
+          <a:lstStyle/>
+          <a:p>
+            <a:r>
+              <a:rPr lang="fr-FR" dirty="0"/>
+              <a:t>118 Câble RJ45 catégorie 5e FTP 5 m</a:t>
+            </a:r>
+          </a:p>
+          <a:p>
+            <a:r>
+              <a:rPr lang="fr-FR" dirty="0"/>
+              <a:t>288 Câble RJ45 catégorie 5e U/UTP 10 m</a:t>
+            </a:r>
+          </a:p>
+          <a:p>
+            <a:r>
+              <a:rPr lang="fr-FR" dirty="0"/>
+              <a:t>71 Câble RJ45 catégorie 5e U/UTP 15 m</a:t>
+            </a:r>
+          </a:p>
+          <a:p>
+            <a:r>
+              <a:rPr lang="fr-FR" dirty="0"/>
+              <a:t>3 Câble RJ45 catégorie 5e F/UTP 20 m</a:t>
+            </a:r>
+          </a:p>
+          <a:p>
+            <a:r>
+              <a:rPr lang="fr-FR" dirty="0"/>
+              <a:t>4 Câble RJ45 catégorie 5e F/UTP 30 m</a:t>
+            </a:r>
+          </a:p>
+        </p:txBody>
+      </p:sp>
+    </p:spTree>
+    <p:extLst>
+      <p:ext uri="{BB962C8B-B14F-4D97-AF65-F5344CB8AC3E}">
+        <p14:creationId xmlns:p14="http://schemas.microsoft.com/office/powerpoint/2010/main" val="2970690811"/>
+      </p:ext>
+    </p:extLst>
+  </p:cSld>
+  <p:clrMapOvr>
+    <a:masterClrMapping/>
+  </p:clrMapOvr>
+</p:sld>
+</file>
+
+<file path=ppt/slides/slide5.xml><?xml version="1.0" encoding="utf-8"?>
+<p:sld xmlns:a="http://schemas.openxmlformats.org/drawingml/2006/main" xmlns:r="http://schemas.openxmlformats.org/officeDocument/2006/relationships" xmlns:p="http://schemas.openxmlformats.org/presentationml/2006/main">
+  <p:cSld>
+    <p:spTree>
+      <p:nvGrpSpPr>
+        <p:cNvPr id="1" name=""/>
+        <p:cNvGrpSpPr/>
+        <p:nvPr/>
+      </p:nvGrpSpPr>
+      <p:grpSpPr>
+        <a:xfrm>
+          <a:off x="0" y="0"/>
+          <a:ext cx="0" cy="0"/>
+          <a:chOff x="0" y="0"/>
+          <a:chExt cx="0" cy="0"/>
+        </a:xfrm>
+      </p:grpSpPr>
+      <p:sp>
+        <p:nvSpPr>
+          <p:cNvPr id="2" name="Titre 1">
+            <a:extLst>
+              <a:ext uri="{FF2B5EF4-FFF2-40B4-BE49-F238E27FC236}">
                 <a16:creationId xmlns:a16="http://schemas.microsoft.com/office/drawing/2014/main" id="{56E9802A-B5AD-4FA2-A6FF-7810D2566C39}"/>
               </a:ext>
             </a:extLst>
@@ -4401,7 +4507,7 @@
 </p:sld>
 </file>
 
-<file path=ppt/slides/slide5.xml><?xml version="1.0" encoding="utf-8"?>
+<file path=ppt/slides/slide6.xml><?xml version="1.0" encoding="utf-8"?>
 <p:sld xmlns:a="http://schemas.openxmlformats.org/drawingml/2006/main" xmlns:r="http://schemas.openxmlformats.org/officeDocument/2006/relationships" xmlns:p="http://schemas.openxmlformats.org/presentationml/2006/main">
   <p:cSld>
     <p:spTree>
@@ -4611,7 +4717,7 @@
 </p:sld>
 </file>
 
-<file path=ppt/slides/slide6.xml><?xml version="1.0" encoding="utf-8"?>
+<file path=ppt/slides/slide7.xml><?xml version="1.0" encoding="utf-8"?>
 <p:sld xmlns:a="http://schemas.openxmlformats.org/drawingml/2006/main" xmlns:r="http://schemas.openxmlformats.org/officeDocument/2006/relationships" xmlns:p="http://schemas.openxmlformats.org/presentationml/2006/main">
   <p:cSld>
     <p:spTree>
@@ -4676,7 +4782,7 @@
         </p:nvSpPr>
         <p:spPr/>
         <p:txBody>
-          <a:bodyPr/>
+          <a:bodyPr numCol="2"/>
           <a:lstStyle/>
           <a:p>
             <a:r>
@@ -4725,6 +4831,37 @@
               <a:rPr lang="fr-FR" dirty="0"/>
               <a:t>Serveur CS : GO : 929,95 €</a:t>
             </a:r>
+          </a:p>
+          <a:p>
+            <a:r>
+              <a:rPr lang="fr-FR" dirty="0"/>
+              <a:t>Câbles RJ45 5m : 942,82 €</a:t>
+            </a:r>
+          </a:p>
+          <a:p>
+            <a:r>
+              <a:rPr lang="fr-FR" dirty="0"/>
+              <a:t>Câbles RJ45 10m : 2865,60 €</a:t>
+            </a:r>
+          </a:p>
+          <a:p>
+            <a:r>
+              <a:rPr lang="fr-FR" dirty="0"/>
+              <a:t>Câbles RJ45 15 m : 1064,29 €</a:t>
+            </a:r>
+          </a:p>
+          <a:p>
+            <a:r>
+              <a:rPr lang="fr-FR" dirty="0"/>
+              <a:t>Câbles RJ45 20 m : 74,85 €</a:t>
+            </a:r>
+          </a:p>
+          <a:p>
+            <a:r>
+              <a:rPr lang="fr-FR"/>
+              <a:t>Câbles RJ45 30 m : 159,80 €</a:t>
+            </a:r>
+            <a:endParaRPr lang="fr-FR" dirty="0"/>
           </a:p>
         </p:txBody>
       </p:sp>

--- a/Projet_Réseau/Projet 2.pptx
+++ b/Projet_Réseau/Projet 2.pptx
@@ -4823,24 +4823,21 @@
           <a:p>
             <a:r>
               <a:rPr lang="fr-FR" dirty="0"/>
-              <a:t>Câble Ethernet 15m: </a:t>
-            </a:r>
-          </a:p>
-          <a:p>
-            <a:r>
-              <a:rPr lang="fr-FR" dirty="0"/>
               <a:t>Serveur CS : GO : 929,95 €</a:t>
             </a:r>
           </a:p>
           <a:p>
-            <a:r>
-              <a:rPr lang="fr-FR" dirty="0"/>
+            <a:endParaRPr lang="fr-FR" dirty="0"/>
+          </a:p>
+          <a:p>
+            <a:r>
+              <a:rPr lang="fr-FR"/>
               <a:t>Câbles RJ45 5m : 942,82 €</a:t>
             </a:r>
           </a:p>
           <a:p>
             <a:r>
-              <a:rPr lang="fr-FR" dirty="0"/>
+              <a:rPr lang="fr-FR"/>
               <a:t>Câbles RJ45 10m : 2865,60 €</a:t>
             </a:r>
           </a:p>
@@ -4858,10 +4855,9 @@
           </a:p>
           <a:p>
             <a:r>
-              <a:rPr lang="fr-FR"/>
+              <a:rPr lang="fr-FR" dirty="0"/>
               <a:t>Câbles RJ45 30 m : 159,80 €</a:t>
             </a:r>
-            <a:endParaRPr lang="fr-FR" dirty="0"/>
           </a:p>
         </p:txBody>
       </p:sp>

--- a/Projet_Réseau/Projet 2.pptx
+++ b/Projet_Réseau/Projet 2.pptx
@@ -4215,76 +4215,72 @@
         </p:nvSpPr>
         <p:spPr>
           <a:xfrm>
-            <a:off x="1725967" y="2153787"/>
+            <a:off x="1774093" y="1690688"/>
             <a:ext cx="8120947" cy="4339088"/>
           </a:xfrm>
         </p:spPr>
         <p:txBody>
-          <a:bodyPr/>
-          <a:lstStyle/>
-          <a:p>
-            <a:r>
-              <a:rPr lang="fr-FR" sz="1800" dirty="0"/>
+          <a:bodyPr>
+            <a:normAutofit/>
+          </a:bodyPr>
+          <a:lstStyle/>
+          <a:p>
+            <a:r>
+              <a:rPr lang="fr-FR" dirty="0"/>
               <a:t>2 « Cisco </a:t>
             </a:r>
             <a:r>
-              <a:rPr lang="fr-FR" sz="1800" dirty="0" err="1"/>
+              <a:rPr lang="fr-FR" dirty="0" err="1"/>
               <a:t>Systems</a:t>
             </a:r>
             <a:r>
-              <a:rPr lang="fr-FR" sz="1800" dirty="0"/>
+              <a:rPr lang="fr-FR" dirty="0"/>
               <a:t> WS-C2950G-48-EI » (Switch à 48 ports RJ45)</a:t>
             </a:r>
           </a:p>
           <a:p>
             <a:r>
-              <a:rPr lang="fr-FR" sz="1800" dirty="0"/>
+              <a:rPr lang="fr-FR" dirty="0"/>
               <a:t>15 « Cisco </a:t>
             </a:r>
             <a:r>
-              <a:rPr lang="fr-FR" sz="1800" dirty="0" err="1"/>
+              <a:rPr lang="fr-FR" dirty="0" err="1"/>
               <a:t>Systems</a:t>
             </a:r>
             <a:r>
-              <a:rPr lang="fr-FR" sz="1800" dirty="0"/>
+              <a:rPr lang="fr-FR" dirty="0"/>
               <a:t> WS-C2950-24 » (Switch à 24 ports RJ45)</a:t>
             </a:r>
           </a:p>
           <a:p>
             <a:r>
-              <a:rPr lang="fr-FR" sz="1800" dirty="0"/>
+              <a:rPr lang="fr-FR" dirty="0"/>
               <a:t>1 « TP-LINK TPL_TLSF1016D » (Switch 16 ports RJ45)</a:t>
             </a:r>
           </a:p>
           <a:p>
             <a:r>
-              <a:rPr lang="fr-FR" sz="1800" dirty="0"/>
+              <a:rPr lang="fr-FR" dirty="0"/>
               <a:t>1 D-Link DES-108 (Switch 8 ports)</a:t>
             </a:r>
           </a:p>
           <a:p>
             <a:r>
-              <a:rPr lang="fr-FR" sz="1800" dirty="0"/>
+              <a:rPr lang="fr-FR" dirty="0"/>
               <a:t>2 « D-Link DAP-2360 Point d'accès sans fil PoE »(PA Wi-Fi)</a:t>
             </a:r>
           </a:p>
           <a:p>
             <a:r>
-              <a:rPr lang="fr-FR" sz="1800" dirty="0"/>
-              <a:t>« « 1 RÉPÉTEUR NETGEAR WIFI N WN3000RP-200FRS (Répéteur Wi-Fi) » »</a:t>
-            </a:r>
-          </a:p>
-          <a:p>
-            <a:r>
-              <a:rPr lang="fr-FR" sz="1800" dirty="0"/>
+              <a:rPr lang="fr-FR" dirty="0"/>
               <a:t>Lenovo </a:t>
             </a:r>
             <a:r>
-              <a:rPr lang="fr-FR" sz="1800" dirty="0" err="1"/>
+              <a:rPr lang="fr-FR" dirty="0" err="1"/>
               <a:t>ThinkServer</a:t>
             </a:r>
             <a:r>
-              <a:rPr lang="fr-FR" sz="1800" dirty="0"/>
+              <a:rPr lang="fr-FR" dirty="0"/>
               <a:t> RS160 (70TG0028EA) (Serveur)</a:t>
             </a:r>
           </a:p>
@@ -4402,6 +4398,12 @@
               <a:t>4 Câble RJ45 catégorie 5e F/UTP 30 m</a:t>
             </a:r>
           </a:p>
+          <a:p>
+            <a:r>
+              <a:rPr lang="fr-FR" dirty="0"/>
+              <a:t>Câble HDMI </a:t>
+            </a:r>
+          </a:p>
         </p:txBody>
       </p:sp>
     </p:spTree>
@@ -4485,12 +4487,24 @@
           <a:p>
             <a:r>
               <a:rPr lang="fr-FR" dirty="0"/>
-              <a:t>Tables </a:t>
-            </a:r>
-            <a:r>
-              <a:rPr lang="fr-FR"/>
-              <a:t>et chaises</a:t>
-            </a:r>
+              <a:t>21 Tables pour les </a:t>
+            </a:r>
+            <a:r>
+              <a:rPr lang="fr-FR" dirty="0" err="1"/>
+              <a:t>switchs</a:t>
+            </a:r>
+            <a:r>
+              <a:rPr lang="fr-FR" dirty="0"/>
+              <a:t> LACK Table d'appoint</a:t>
+            </a:r>
+            <a:r>
+              <a:rPr lang="fr-FR"/>
+              <a:t>, blanc </a:t>
+            </a:r>
+            <a:endParaRPr lang="fr-FR" dirty="0"/>
+          </a:p>
+          <a:p>
+            <a:endParaRPr lang="fr-FR" dirty="0"/>
           </a:p>
         </p:txBody>
       </p:sp>

--- a/Projet_Réseau/Projet 2.pptx
+++ b/Projet_Réseau/Projet 2.pptx
@@ -12,6 +12,7 @@
     <p:sldId id="261" r:id="rId6"/>
     <p:sldId id="260" r:id="rId7"/>
     <p:sldId id="259" r:id="rId8"/>
+    <p:sldId id="263" r:id="rId9"/>
   </p:sldIdLst>
   <p:sldSz cx="12192000" cy="6858000"/>
   <p:notesSz cx="6858000" cy="9144000"/>
@@ -3357,6 +3358,10 @@
           <a:bodyPr/>
           <a:lstStyle/>
           <a:p>
+            <a:r>
+              <a:rPr lang="fr-FR" dirty="0" err="1"/>
+              <a:t>Ces'ESport</a:t>
+            </a:r>
             <a:endParaRPr lang="fr-FR" dirty="0"/>
           </a:p>
         </p:txBody>
@@ -4215,8 +4220,8 @@
         </p:nvSpPr>
         <p:spPr>
           <a:xfrm>
-            <a:off x="1774093" y="1690688"/>
-            <a:ext cx="8120947" cy="4339088"/>
+            <a:off x="1320183" y="1811881"/>
+            <a:ext cx="9551633" cy="3234238"/>
           </a:xfrm>
         </p:spPr>
         <p:txBody>
@@ -4401,8 +4406,13 @@
           <a:p>
             <a:r>
               <a:rPr lang="fr-FR" dirty="0"/>
-              <a:t>Câble HDMI </a:t>
-            </a:r>
+              <a:t>Câble </a:t>
+            </a:r>
+            <a:r>
+              <a:rPr lang="fr-FR"/>
+              <a:t>HDMI 50 m </a:t>
+            </a:r>
+            <a:endParaRPr lang="fr-FR" dirty="0"/>
           </a:p>
         </p:txBody>
       </p:sp>
@@ -4457,9 +4467,10 @@
           <a:bodyPr/>
           <a:lstStyle/>
           <a:p>
+            <a:pPr algn="ctr"/>
             <a:r>
               <a:rPr lang="fr-FR" dirty="0"/>
-              <a:t>Matériel Classique</a:t>
+              <a:t>Matériel Autres</a:t>
             </a:r>
           </a:p>
         </p:txBody>
@@ -4495,13 +4506,30 @@
             </a:r>
             <a:r>
               <a:rPr lang="fr-FR" dirty="0"/>
-              <a:t> LACK Table d'appoint</a:t>
-            </a:r>
-            <a:r>
-              <a:rPr lang="fr-FR"/>
-              <a:t>, blanc </a:t>
-            </a:r>
-            <a:endParaRPr lang="fr-FR" dirty="0"/>
+              <a:t> LACK Table d'appoint, blanc (146,79 €)</a:t>
+            </a:r>
+          </a:p>
+          <a:p>
+            <a:r>
+              <a:rPr lang="fr-FR" dirty="0"/>
+              <a:t>1631m </a:t>
+            </a:r>
+            <a:r>
+              <a:rPr lang="fr-FR" dirty="0" err="1"/>
+              <a:t>Gaîne</a:t>
+            </a:r>
+            <a:r>
+              <a:rPr lang="fr-FR" dirty="0"/>
+              <a:t> Protège-</a:t>
+            </a:r>
+            <a:r>
+              <a:rPr lang="fr-FR" dirty="0" err="1"/>
+              <a:t>cable</a:t>
+            </a:r>
+            <a:r>
+              <a:rPr lang="fr-FR" dirty="0"/>
+              <a:t> de sécurité 5 cm x 1,2 cm (10356,85 €)</a:t>
+            </a:r>
           </a:p>
           <a:p>
             <a:endParaRPr lang="fr-FR" dirty="0"/>
@@ -4845,13 +4873,13 @@
           </a:p>
           <a:p>
             <a:r>
-              <a:rPr lang="fr-FR"/>
+              <a:rPr lang="fr-FR" dirty="0"/>
               <a:t>Câbles RJ45 5m : 942,82 €</a:t>
             </a:r>
           </a:p>
           <a:p>
             <a:r>
-              <a:rPr lang="fr-FR"/>
+              <a:rPr lang="fr-FR" dirty="0"/>
               <a:t>Câbles RJ45 10m : 2865,60 €</a:t>
             </a:r>
           </a:p>
@@ -4879,6 +4907,110 @@
     <p:extLst>
       <p:ext uri="{BB962C8B-B14F-4D97-AF65-F5344CB8AC3E}">
         <p14:creationId xmlns:p14="http://schemas.microsoft.com/office/powerpoint/2010/main" val="250398951"/>
+      </p:ext>
+    </p:extLst>
+  </p:cSld>
+  <p:clrMapOvr>
+    <a:masterClrMapping/>
+  </p:clrMapOvr>
+</p:sld>
+</file>
+
+<file path=ppt/slides/slide8.xml><?xml version="1.0" encoding="utf-8"?>
+<p:sld xmlns:a="http://schemas.openxmlformats.org/drawingml/2006/main" xmlns:r="http://schemas.openxmlformats.org/officeDocument/2006/relationships" xmlns:p="http://schemas.openxmlformats.org/presentationml/2006/main">
+  <p:cSld>
+    <p:spTree>
+      <p:nvGrpSpPr>
+        <p:cNvPr id="1" name=""/>
+        <p:cNvGrpSpPr/>
+        <p:nvPr/>
+      </p:nvGrpSpPr>
+      <p:grpSpPr>
+        <a:xfrm>
+          <a:off x="0" y="0"/>
+          <a:ext cx="0" cy="0"/>
+          <a:chOff x="0" y="0"/>
+          <a:chExt cx="0" cy="0"/>
+        </a:xfrm>
+      </p:grpSpPr>
+      <p:sp>
+        <p:nvSpPr>
+          <p:cNvPr id="2" name="Titre 1">
+            <a:extLst>
+              <a:ext uri="{FF2B5EF4-FFF2-40B4-BE49-F238E27FC236}">
+                <a16:creationId xmlns:a16="http://schemas.microsoft.com/office/drawing/2014/main" id="{55C2B660-433A-4C3F-A325-7D33CC77C669}"/>
+              </a:ext>
+            </a:extLst>
+          </p:cNvPr>
+          <p:cNvSpPr>
+            <a:spLocks noGrp="1"/>
+          </p:cNvSpPr>
+          <p:nvPr>
+            <p:ph type="title"/>
+          </p:nvPr>
+        </p:nvSpPr>
+        <p:spPr/>
+        <p:txBody>
+          <a:bodyPr/>
+          <a:lstStyle/>
+          <a:p>
+            <a:pPr algn="ctr"/>
+            <a:r>
+              <a:rPr lang="fr-FR" dirty="0"/>
+              <a:t>Financements</a:t>
+            </a:r>
+          </a:p>
+        </p:txBody>
+      </p:sp>
+      <p:sp>
+        <p:nvSpPr>
+          <p:cNvPr id="3" name="Espace réservé du contenu 2">
+            <a:extLst>
+              <a:ext uri="{FF2B5EF4-FFF2-40B4-BE49-F238E27FC236}">
+                <a16:creationId xmlns:a16="http://schemas.microsoft.com/office/drawing/2014/main" id="{FB4C10E6-B2E1-48A4-A1BB-557FBE82C710}"/>
+              </a:ext>
+            </a:extLst>
+          </p:cNvPr>
+          <p:cNvSpPr>
+            <a:spLocks noGrp="1"/>
+          </p:cNvSpPr>
+          <p:nvPr>
+            <p:ph idx="1"/>
+          </p:nvPr>
+        </p:nvSpPr>
+        <p:spPr/>
+        <p:txBody>
+          <a:bodyPr/>
+          <a:lstStyle/>
+          <a:p>
+            <a:r>
+              <a:rPr lang="fr-FR" dirty="0"/>
+              <a:t>Support </a:t>
+            </a:r>
+            <a:r>
+              <a:rPr lang="fr-FR" dirty="0" err="1"/>
+              <a:t>Cesi</a:t>
+            </a:r>
+            <a:r>
+              <a:rPr lang="fr-FR" dirty="0"/>
+              <a:t> : 2500 €</a:t>
+            </a:r>
+          </a:p>
+          <a:p>
+            <a:r>
+              <a:rPr lang="fr-FR" dirty="0"/>
+              <a:t>Support BDE : 1000 €</a:t>
+            </a:r>
+          </a:p>
+          <a:p>
+            <a:endParaRPr lang="fr-FR" dirty="0"/>
+          </a:p>
+        </p:txBody>
+      </p:sp>
+    </p:spTree>
+    <p:extLst>
+      <p:ext uri="{BB962C8B-B14F-4D97-AF65-F5344CB8AC3E}">
+        <p14:creationId xmlns:p14="http://schemas.microsoft.com/office/powerpoint/2010/main" val="1116638725"/>
       </p:ext>
     </p:extLst>
   </p:cSld>

--- a/Projet_Réseau/Projet 2.pptx
+++ b/Projet_Réseau/Projet 2.pptx
@@ -10,9 +10,8 @@
     <p:sldId id="258" r:id="rId4"/>
     <p:sldId id="262" r:id="rId5"/>
     <p:sldId id="261" r:id="rId6"/>
-    <p:sldId id="260" r:id="rId7"/>
-    <p:sldId id="259" r:id="rId8"/>
-    <p:sldId id="263" r:id="rId9"/>
+    <p:sldId id="259" r:id="rId7"/>
+    <p:sldId id="263" r:id="rId8"/>
   </p:sldIdLst>
   <p:sldSz cx="12192000" cy="6858000"/>
   <p:notesSz cx="6858000" cy="9144000"/>
@@ -3471,7 +3470,7 @@
             <p:ph idx="1"/>
             <p:extLst>
               <p:ext uri="{D42A27DB-BD31-4B8C-83A1-F6EECF244321}">
-                <p14:modId xmlns:p14="http://schemas.microsoft.com/office/powerpoint/2010/main" val="1241962945"/>
+                <p14:modId xmlns:p14="http://schemas.microsoft.com/office/powerpoint/2010/main" val="2477457643"/>
               </p:ext>
             </p:extLst>
           </p:nvPr>
@@ -3836,7 +3835,7 @@
                           <a:ea typeface="+mn-ea"/>
                           <a:cs typeface="+mn-cs"/>
                         </a:rPr>
-                        <a:t>Si le Hub lâche, tout lâche et il est cher</a:t>
+                        <a:t>Si le Switch lâche, tout lâche et il est cher</a:t>
                       </a:r>
                     </a:p>
                   </a:txBody>
@@ -4406,13 +4405,8 @@
           <a:p>
             <a:r>
               <a:rPr lang="fr-FR" dirty="0"/>
-              <a:t>Câble </a:t>
-            </a:r>
-            <a:r>
-              <a:rPr lang="fr-FR"/>
-              <a:t>HDMI 50 m </a:t>
-            </a:r>
-            <a:endParaRPr lang="fr-FR" dirty="0"/>
+              <a:t>Câble HDMI PRO 1.4v 50 m</a:t>
+            </a:r>
           </a:p>
         </p:txBody>
       </p:sp>
@@ -4532,6 +4526,16 @@
             </a:r>
           </a:p>
           <a:p>
+            <a:r>
+              <a:rPr lang="fr-FR" dirty="0"/>
+              <a:t>3x(10 x 2,5m) Barrières Vauban </a:t>
+            </a:r>
+            <a:r>
+              <a:rPr lang="fr-FR"/>
+              <a:t>(location W-E : 96 €)</a:t>
+            </a:r>
+          </a:p>
+          <a:p>
             <a:endParaRPr lang="fr-FR" dirty="0"/>
           </a:p>
         </p:txBody>
@@ -4571,7 +4575,7 @@
           <p:cNvPr id="2" name="Titre 1">
             <a:extLst>
               <a:ext uri="{FF2B5EF4-FFF2-40B4-BE49-F238E27FC236}">
-                <a16:creationId xmlns:a16="http://schemas.microsoft.com/office/drawing/2014/main" id="{1311FFFF-D306-4247-898F-A547B6E02CB1}"/>
+                <a16:creationId xmlns:a16="http://schemas.microsoft.com/office/drawing/2014/main" id="{EBCD369D-0FA7-4AED-B518-D5623DC1288F}"/>
               </a:ext>
             </a:extLst>
           </p:cNvPr>
@@ -4589,167 +4593,120 @@
           <a:p>
             <a:pPr algn="ctr"/>
             <a:r>
+              <a:rPr lang="fr-FR"/>
+              <a:t>Budget interconnexions</a:t>
+            </a:r>
+            <a:endParaRPr lang="fr-FR" dirty="0"/>
+          </a:p>
+        </p:txBody>
+      </p:sp>
+      <p:sp>
+        <p:nvSpPr>
+          <p:cNvPr id="3" name="Espace réservé du contenu 2">
+            <a:extLst>
+              <a:ext uri="{FF2B5EF4-FFF2-40B4-BE49-F238E27FC236}">
+                <a16:creationId xmlns:a16="http://schemas.microsoft.com/office/drawing/2014/main" id="{F7B9386E-351C-444C-BD8A-9D9FAC7BF9A2}"/>
+              </a:ext>
+            </a:extLst>
+          </p:cNvPr>
+          <p:cNvSpPr>
+            <a:spLocks noGrp="1"/>
+          </p:cNvSpPr>
+          <p:nvPr>
+            <p:ph idx="1"/>
+          </p:nvPr>
+        </p:nvSpPr>
+        <p:spPr/>
+        <p:txBody>
+          <a:bodyPr numCol="2"/>
+          <a:lstStyle/>
+          <a:p>
+            <a:r>
               <a:rPr lang="fr-FR" dirty="0"/>
-              <a:t>Visualisation du matériel</a:t>
-            </a:r>
-          </a:p>
-        </p:txBody>
-      </p:sp>
-      <p:pic>
-        <p:nvPicPr>
-          <p:cNvPr id="4" name="Espace réservé du contenu 3">
-            <a:extLst>
-              <a:ext uri="{FF2B5EF4-FFF2-40B4-BE49-F238E27FC236}">
-                <a16:creationId xmlns:a16="http://schemas.microsoft.com/office/drawing/2014/main" id="{E3A836DC-20D9-4E24-9AA8-8CAAEA4D0D40}"/>
-              </a:ext>
-            </a:extLst>
-          </p:cNvPr>
-          <p:cNvPicPr>
-            <a:picLocks noGrp="1" noChangeAspect="1"/>
-          </p:cNvPicPr>
-          <p:nvPr>
-            <p:ph idx="1"/>
-          </p:nvPr>
-        </p:nvPicPr>
-        <p:blipFill>
-          <a:blip r:embed="rId2"/>
-          <a:stretch>
-            <a:fillRect/>
-          </a:stretch>
-        </p:blipFill>
-        <p:spPr>
-          <a:xfrm>
-            <a:off x="7622287" y="2483201"/>
-            <a:ext cx="2071688" cy="2071688"/>
-          </a:xfrm>
-          <a:prstGeom prst="rect">
-            <a:avLst/>
-          </a:prstGeom>
-        </p:spPr>
-      </p:pic>
-      <p:pic>
-        <p:nvPicPr>
-          <p:cNvPr id="5" name="Image 4">
-            <a:extLst>
-              <a:ext uri="{FF2B5EF4-FFF2-40B4-BE49-F238E27FC236}">
-                <a16:creationId xmlns:a16="http://schemas.microsoft.com/office/drawing/2014/main" id="{A2CEF1AE-0BBD-46F9-B86C-C10D10AE4636}"/>
-              </a:ext>
-            </a:extLst>
-          </p:cNvPr>
-          <p:cNvPicPr>
-            <a:picLocks noChangeAspect="1"/>
-          </p:cNvPicPr>
-          <p:nvPr/>
-        </p:nvPicPr>
-        <p:blipFill rotWithShape="1">
-          <a:blip r:embed="rId3"/>
-          <a:srcRect l="33206" r="32064"/>
-          <a:stretch/>
-        </p:blipFill>
-        <p:spPr>
-          <a:xfrm>
-            <a:off x="9915983" y="2660754"/>
-            <a:ext cx="1235242" cy="1977582"/>
-          </a:xfrm>
-          <a:prstGeom prst="rect">
-            <a:avLst/>
-          </a:prstGeom>
-        </p:spPr>
-      </p:pic>
-      <p:pic>
-        <p:nvPicPr>
-          <p:cNvPr id="3" name="Image 2">
-            <a:extLst>
-              <a:ext uri="{FF2B5EF4-FFF2-40B4-BE49-F238E27FC236}">
-                <a16:creationId xmlns:a16="http://schemas.microsoft.com/office/drawing/2014/main" id="{3C51C76F-D36A-4FBB-8E4A-CEA52CA72BC6}"/>
-              </a:ext>
-            </a:extLst>
-          </p:cNvPr>
-          <p:cNvPicPr>
-            <a:picLocks noChangeAspect="1"/>
-          </p:cNvPicPr>
-          <p:nvPr/>
-        </p:nvPicPr>
-        <p:blipFill>
-          <a:blip r:embed="rId4"/>
-          <a:stretch>
-            <a:fillRect/>
-          </a:stretch>
-        </p:blipFill>
-        <p:spPr>
-          <a:xfrm>
-            <a:off x="1431255" y="3734554"/>
-            <a:ext cx="2810305" cy="1873537"/>
-          </a:xfrm>
-          <a:prstGeom prst="rect">
-            <a:avLst/>
-          </a:prstGeom>
-        </p:spPr>
-      </p:pic>
-      <p:pic>
-        <p:nvPicPr>
-          <p:cNvPr id="6" name="Image 5">
-            <a:extLst>
-              <a:ext uri="{FF2B5EF4-FFF2-40B4-BE49-F238E27FC236}">
-                <a16:creationId xmlns:a16="http://schemas.microsoft.com/office/drawing/2014/main" id="{67FC0AF8-DA61-4334-B064-BCF9B3A149F3}"/>
-              </a:ext>
-            </a:extLst>
-          </p:cNvPr>
-          <p:cNvPicPr>
-            <a:picLocks noChangeAspect="1"/>
-          </p:cNvPicPr>
-          <p:nvPr/>
-        </p:nvPicPr>
-        <p:blipFill>
-          <a:blip r:embed="rId5"/>
-          <a:stretch>
-            <a:fillRect/>
-          </a:stretch>
-        </p:blipFill>
-        <p:spPr>
-          <a:xfrm>
-            <a:off x="4779727" y="3667339"/>
-            <a:ext cx="2366798" cy="1775099"/>
-          </a:xfrm>
-          <a:prstGeom prst="rect">
-            <a:avLst/>
-          </a:prstGeom>
-        </p:spPr>
-      </p:pic>
-      <p:pic>
-        <p:nvPicPr>
-          <p:cNvPr id="7" name="Image 6">
-            <a:extLst>
-              <a:ext uri="{FF2B5EF4-FFF2-40B4-BE49-F238E27FC236}">
-                <a16:creationId xmlns:a16="http://schemas.microsoft.com/office/drawing/2014/main" id="{854FEB2F-E064-49BA-866F-62F23B6FD676}"/>
-              </a:ext>
-            </a:extLst>
-          </p:cNvPr>
-          <p:cNvPicPr>
-            <a:picLocks noChangeAspect="1"/>
-          </p:cNvPicPr>
-          <p:nvPr/>
-        </p:nvPicPr>
-        <p:blipFill>
-          <a:blip r:embed="rId6"/>
-          <a:stretch>
-            <a:fillRect/>
-          </a:stretch>
-        </p:blipFill>
-        <p:spPr>
-          <a:xfrm>
-            <a:off x="2835891" y="2006633"/>
-            <a:ext cx="2810307" cy="1873537"/>
-          </a:xfrm>
-          <a:prstGeom prst="rect">
-            <a:avLst/>
-          </a:prstGeom>
-        </p:spPr>
-      </p:pic>
+              <a:t>Switch 8 ports : 19,90 €</a:t>
+            </a:r>
+          </a:p>
+          <a:p>
+            <a:r>
+              <a:rPr lang="fr-FR" dirty="0"/>
+              <a:t>Switch 16 ports : 29,99 €</a:t>
+            </a:r>
+          </a:p>
+          <a:p>
+            <a:r>
+              <a:rPr lang="fr-FR" dirty="0"/>
+              <a:t>Switch 24 ports : 1047,75 €</a:t>
+            </a:r>
+          </a:p>
+          <a:p>
+            <a:r>
+              <a:rPr lang="fr-FR" dirty="0"/>
+              <a:t>Switch 48 ports : 182,26 €</a:t>
+            </a:r>
+          </a:p>
+          <a:p>
+            <a:r>
+              <a:rPr lang="fr-FR" dirty="0"/>
+              <a:t>Point d’accès Wi-Fi : 265,90 €</a:t>
+            </a:r>
+          </a:p>
+          <a:p>
+            <a:r>
+              <a:rPr lang="fr-FR" dirty="0"/>
+              <a:t>Répéteur Wi-Fi : 34,99 €</a:t>
+            </a:r>
+          </a:p>
+          <a:p>
+            <a:r>
+              <a:rPr lang="fr-FR" dirty="0"/>
+              <a:t>Serveur CS : GO : 929,95 €</a:t>
+            </a:r>
+          </a:p>
+          <a:p>
+            <a:endParaRPr lang="fr-FR" dirty="0"/>
+          </a:p>
+          <a:p>
+            <a:r>
+              <a:rPr lang="fr-FR" dirty="0"/>
+              <a:t>Câbles RJ45 5m : 942,82 €</a:t>
+            </a:r>
+          </a:p>
+          <a:p>
+            <a:r>
+              <a:rPr lang="fr-FR" dirty="0"/>
+              <a:t>Câbles RJ45 10m : 2865,60 €</a:t>
+            </a:r>
+          </a:p>
+          <a:p>
+            <a:r>
+              <a:rPr lang="fr-FR" dirty="0"/>
+              <a:t>Câbles RJ45 15 m : 1064,29 €</a:t>
+            </a:r>
+          </a:p>
+          <a:p>
+            <a:r>
+              <a:rPr lang="fr-FR" dirty="0"/>
+              <a:t>Câbles RJ45 20 m : 74,85 €</a:t>
+            </a:r>
+          </a:p>
+          <a:p>
+            <a:r>
+              <a:rPr lang="fr-FR" dirty="0"/>
+              <a:t>Câbles RJ45 30 m : 159,80 €</a:t>
+            </a:r>
+          </a:p>
+          <a:p>
+            <a:r>
+              <a:rPr lang="fr-FR" dirty="0"/>
+              <a:t>Câble HDMI 50m : 320 €</a:t>
+            </a:r>
+          </a:p>
+        </p:txBody>
+      </p:sp>
     </p:spTree>
     <p:extLst>
       <p:ext uri="{BB962C8B-B14F-4D97-AF65-F5344CB8AC3E}">
-        <p14:creationId xmlns:p14="http://schemas.microsoft.com/office/powerpoint/2010/main" val="2134158528"/>
+        <p14:creationId xmlns:p14="http://schemas.microsoft.com/office/powerpoint/2010/main" val="250398951"/>
       </p:ext>
     </p:extLst>
   </p:cSld>
@@ -4781,7 +4738,7 @@
           <p:cNvPr id="2" name="Titre 1">
             <a:extLst>
               <a:ext uri="{FF2B5EF4-FFF2-40B4-BE49-F238E27FC236}">
-                <a16:creationId xmlns:a16="http://schemas.microsoft.com/office/drawing/2014/main" id="{EBCD369D-0FA7-4AED-B518-D5623DC1288F}"/>
+                <a16:creationId xmlns:a16="http://schemas.microsoft.com/office/drawing/2014/main" id="{55C2B660-433A-4C3F-A325-7D33CC77C669}"/>
               </a:ext>
             </a:extLst>
           </p:cNvPr>
@@ -4799,10 +4756,9 @@
           <a:p>
             <a:pPr algn="ctr"/>
             <a:r>
-              <a:rPr lang="fr-FR"/>
-              <a:t>Budget interconnexions</a:t>
-            </a:r>
-            <a:endParaRPr lang="fr-FR" dirty="0"/>
+              <a:rPr lang="fr-FR" dirty="0"/>
+              <a:t>Sponsors</a:t>
+            </a:r>
           </a:p>
         </p:txBody>
       </p:sp>
@@ -4811,7 +4767,7 @@
           <p:cNvPr id="3" name="Espace réservé du contenu 2">
             <a:extLst>
               <a:ext uri="{FF2B5EF4-FFF2-40B4-BE49-F238E27FC236}">
-                <a16:creationId xmlns:a16="http://schemas.microsoft.com/office/drawing/2014/main" id="{F7B9386E-351C-444C-BD8A-9D9FAC7BF9A2}"/>
+                <a16:creationId xmlns:a16="http://schemas.microsoft.com/office/drawing/2014/main" id="{FB4C10E6-B2E1-48A4-A1BB-557FBE82C710}"/>
               </a:ext>
             </a:extLst>
           </p:cNvPr>
@@ -4825,162 +4781,6 @@
         <p:spPr/>
         <p:txBody>
           <a:bodyPr numCol="2"/>
-          <a:lstStyle/>
-          <a:p>
-            <a:r>
-              <a:rPr lang="fr-FR" dirty="0"/>
-              <a:t>Switch 8 ports : 19,90 €</a:t>
-            </a:r>
-          </a:p>
-          <a:p>
-            <a:r>
-              <a:rPr lang="fr-FR" dirty="0"/>
-              <a:t>Switch 16 ports : 29,99 €</a:t>
-            </a:r>
-          </a:p>
-          <a:p>
-            <a:r>
-              <a:rPr lang="fr-FR" dirty="0"/>
-              <a:t>Switch 24 ports : 1047,75 €</a:t>
-            </a:r>
-          </a:p>
-          <a:p>
-            <a:r>
-              <a:rPr lang="fr-FR" dirty="0"/>
-              <a:t>Switch 48 ports : 182,26 €</a:t>
-            </a:r>
-          </a:p>
-          <a:p>
-            <a:r>
-              <a:rPr lang="fr-FR" dirty="0"/>
-              <a:t>Point d’accès Wi-Fi : 265,90 €</a:t>
-            </a:r>
-          </a:p>
-          <a:p>
-            <a:r>
-              <a:rPr lang="fr-FR" dirty="0"/>
-              <a:t>Répéteur Wi-Fi : 34,99 €</a:t>
-            </a:r>
-          </a:p>
-          <a:p>
-            <a:r>
-              <a:rPr lang="fr-FR" dirty="0"/>
-              <a:t>Serveur CS : GO : 929,95 €</a:t>
-            </a:r>
-          </a:p>
-          <a:p>
-            <a:endParaRPr lang="fr-FR" dirty="0"/>
-          </a:p>
-          <a:p>
-            <a:r>
-              <a:rPr lang="fr-FR" dirty="0"/>
-              <a:t>Câbles RJ45 5m : 942,82 €</a:t>
-            </a:r>
-          </a:p>
-          <a:p>
-            <a:r>
-              <a:rPr lang="fr-FR" dirty="0"/>
-              <a:t>Câbles RJ45 10m : 2865,60 €</a:t>
-            </a:r>
-          </a:p>
-          <a:p>
-            <a:r>
-              <a:rPr lang="fr-FR" dirty="0"/>
-              <a:t>Câbles RJ45 15 m : 1064,29 €</a:t>
-            </a:r>
-          </a:p>
-          <a:p>
-            <a:r>
-              <a:rPr lang="fr-FR" dirty="0"/>
-              <a:t>Câbles RJ45 20 m : 74,85 €</a:t>
-            </a:r>
-          </a:p>
-          <a:p>
-            <a:r>
-              <a:rPr lang="fr-FR" dirty="0"/>
-              <a:t>Câbles RJ45 30 m : 159,80 €</a:t>
-            </a:r>
-          </a:p>
-        </p:txBody>
-      </p:sp>
-    </p:spTree>
-    <p:extLst>
-      <p:ext uri="{BB962C8B-B14F-4D97-AF65-F5344CB8AC3E}">
-        <p14:creationId xmlns:p14="http://schemas.microsoft.com/office/powerpoint/2010/main" val="250398951"/>
-      </p:ext>
-    </p:extLst>
-  </p:cSld>
-  <p:clrMapOvr>
-    <a:masterClrMapping/>
-  </p:clrMapOvr>
-</p:sld>
-</file>
-
-<file path=ppt/slides/slide8.xml><?xml version="1.0" encoding="utf-8"?>
-<p:sld xmlns:a="http://schemas.openxmlformats.org/drawingml/2006/main" xmlns:r="http://schemas.openxmlformats.org/officeDocument/2006/relationships" xmlns:p="http://schemas.openxmlformats.org/presentationml/2006/main">
-  <p:cSld>
-    <p:spTree>
-      <p:nvGrpSpPr>
-        <p:cNvPr id="1" name=""/>
-        <p:cNvGrpSpPr/>
-        <p:nvPr/>
-      </p:nvGrpSpPr>
-      <p:grpSpPr>
-        <a:xfrm>
-          <a:off x="0" y="0"/>
-          <a:ext cx="0" cy="0"/>
-          <a:chOff x="0" y="0"/>
-          <a:chExt cx="0" cy="0"/>
-        </a:xfrm>
-      </p:grpSpPr>
-      <p:sp>
-        <p:nvSpPr>
-          <p:cNvPr id="2" name="Titre 1">
-            <a:extLst>
-              <a:ext uri="{FF2B5EF4-FFF2-40B4-BE49-F238E27FC236}">
-                <a16:creationId xmlns:a16="http://schemas.microsoft.com/office/drawing/2014/main" id="{55C2B660-433A-4C3F-A325-7D33CC77C669}"/>
-              </a:ext>
-            </a:extLst>
-          </p:cNvPr>
-          <p:cNvSpPr>
-            <a:spLocks noGrp="1"/>
-          </p:cNvSpPr>
-          <p:nvPr>
-            <p:ph type="title"/>
-          </p:nvPr>
-        </p:nvSpPr>
-        <p:spPr/>
-        <p:txBody>
-          <a:bodyPr/>
-          <a:lstStyle/>
-          <a:p>
-            <a:pPr algn="ctr"/>
-            <a:r>
-              <a:rPr lang="fr-FR" dirty="0"/>
-              <a:t>Financements</a:t>
-            </a:r>
-          </a:p>
-        </p:txBody>
-      </p:sp>
-      <p:sp>
-        <p:nvSpPr>
-          <p:cNvPr id="3" name="Espace réservé du contenu 2">
-            <a:extLst>
-              <a:ext uri="{FF2B5EF4-FFF2-40B4-BE49-F238E27FC236}">
-                <a16:creationId xmlns:a16="http://schemas.microsoft.com/office/drawing/2014/main" id="{FB4C10E6-B2E1-48A4-A1BB-557FBE82C710}"/>
-              </a:ext>
-            </a:extLst>
-          </p:cNvPr>
-          <p:cNvSpPr>
-            <a:spLocks noGrp="1"/>
-          </p:cNvSpPr>
-          <p:nvPr>
-            <p:ph idx="1"/>
-          </p:nvPr>
-        </p:nvSpPr>
-        <p:spPr/>
-        <p:txBody>
-          <a:bodyPr/>
           <a:lstStyle/>
           <a:p>
             <a:r>
@@ -5001,6 +4801,24 @@
               <a:rPr lang="fr-FR" dirty="0"/>
               <a:t>Support BDE : 1000 €</a:t>
             </a:r>
+          </a:p>
+          <a:p>
+            <a:endParaRPr lang="fr-FR" dirty="0"/>
+          </a:p>
+          <a:p>
+            <a:endParaRPr lang="fr-FR" dirty="0"/>
+          </a:p>
+          <a:p>
+            <a:endParaRPr lang="fr-FR" dirty="0"/>
+          </a:p>
+          <a:p>
+            <a:endParaRPr lang="fr-FR" dirty="0"/>
+          </a:p>
+          <a:p>
+            <a:endParaRPr lang="fr-FR" dirty="0"/>
+          </a:p>
+          <a:p>
+            <a:endParaRPr lang="fr-FR" dirty="0"/>
           </a:p>
           <a:p>
             <a:endParaRPr lang="fr-FR" dirty="0"/>

--- a/Projet_Réseau/Projet 2.pptx
+++ b/Projet_Réseau/Projet 2.pptx
@@ -4375,37 +4375,37 @@
           <a:p>
             <a:r>
               <a:rPr lang="fr-FR" dirty="0"/>
-              <a:t>118 Câble RJ45 catégorie 5e FTP 5 m</a:t>
+              <a:t>118 Câbles RJ45 catégorie 5e FTP 5 m</a:t>
             </a:r>
           </a:p>
           <a:p>
             <a:r>
               <a:rPr lang="fr-FR" dirty="0"/>
-              <a:t>288 Câble RJ45 catégorie 5e U/UTP 10 m</a:t>
+              <a:t>288 Câbles RJ45 catégorie 5e U/UTP 10 m</a:t>
             </a:r>
           </a:p>
           <a:p>
             <a:r>
               <a:rPr lang="fr-FR" dirty="0"/>
-              <a:t>71 Câble RJ45 catégorie 5e U/UTP 15 m</a:t>
+              <a:t>71 Câbles RJ45 catégorie 5e U/UTP 15 m</a:t>
             </a:r>
           </a:p>
           <a:p>
             <a:r>
               <a:rPr lang="fr-FR" dirty="0"/>
-              <a:t>3 Câble RJ45 catégorie 5e F/UTP 20 m</a:t>
+              <a:t>3 Câbles RJ45 catégorie 5e F/UTP 20 m</a:t>
             </a:r>
           </a:p>
           <a:p>
             <a:r>
               <a:rPr lang="fr-FR" dirty="0"/>
-              <a:t>4 Câble RJ45 catégorie 5e F/UTP 30 m</a:t>
+              <a:t>4 Câbles RJ45 catégorie 5e F/UTP 30 m</a:t>
             </a:r>
           </a:p>
           <a:p>
             <a:r>
               <a:rPr lang="fr-FR" dirty="0"/>
-              <a:t>Câble HDMI PRO 1.4v 50 m</a:t>
+              <a:t>1 Câble HDMI PRO 1.4v 50 m</a:t>
             </a:r>
           </a:p>
         </p:txBody>
@@ -4492,47 +4492,58 @@
           <a:p>
             <a:r>
               <a:rPr lang="fr-FR" dirty="0"/>
-              <a:t>21 Tables pour les </a:t>
-            </a:r>
-            <a:r>
-              <a:rPr lang="fr-FR" dirty="0" err="1"/>
-              <a:t>switchs</a:t>
-            </a:r>
+              <a:t>21 Tables pour les switch LACK Table d'appoint, blanc (146,79 €)</a:t>
+            </a:r>
+          </a:p>
+          <a:p>
             <a:r>
               <a:rPr lang="fr-FR" dirty="0"/>
-              <a:t> LACK Table d'appoint, blanc (146,79 €)</a:t>
+              <a:t>1640m de gaine protège-câble de sécurité 5 cm x 1,2 cm (10414 €)</a:t>
             </a:r>
           </a:p>
           <a:p>
             <a:r>
               <a:rPr lang="fr-FR" dirty="0"/>
-              <a:t>1631m </a:t>
-            </a:r>
-            <a:r>
-              <a:rPr lang="fr-FR" dirty="0" err="1"/>
-              <a:t>Gaîne</a:t>
-            </a:r>
-            <a:r>
-              <a:rPr lang="fr-FR" dirty="0"/>
-              <a:t> Protège-</a:t>
-            </a:r>
-            <a:r>
-              <a:rPr lang="fr-FR" dirty="0" err="1"/>
-              <a:t>cable</a:t>
-            </a:r>
-            <a:r>
-              <a:rPr lang="fr-FR" dirty="0"/>
-              <a:t> de sécurité 5 cm x 1,2 cm (10356,85 €)</a:t>
-            </a:r>
-          </a:p>
-          <a:p>
-            <a:r>
-              <a:rPr lang="fr-FR" dirty="0"/>
-              <a:t>3x(10 x 2,5m) Barrières Vauban </a:t>
-            </a:r>
-            <a:r>
-              <a:rPr lang="fr-FR"/>
-              <a:t>(location W-E : 96 €)</a:t>
+              <a:t>3x(10 x 2,5m) Barrières Vauban (location W-E : 96 €)</a:t>
+            </a:r>
+          </a:p>
+          <a:p>
+            <a:endParaRPr lang="fr-FR" dirty="0"/>
+          </a:p>
+        </p:txBody>
+      </p:sp>
+      <p:sp>
+        <p:nvSpPr>
+          <p:cNvPr id="4" name="ZoneTexte 3">
+            <a:extLst>
+              <a:ext uri="{FF2B5EF4-FFF2-40B4-BE49-F238E27FC236}">
+                <a16:creationId xmlns:a16="http://schemas.microsoft.com/office/drawing/2014/main" id="{0000E458-CBD4-4ED1-9625-25F7314B947F}"/>
+              </a:ext>
+            </a:extLst>
+          </p:cNvPr>
+          <p:cNvSpPr txBox="1"/>
+          <p:nvPr/>
+        </p:nvSpPr>
+        <p:spPr>
+          <a:xfrm>
+            <a:off x="4031672" y="4793672"/>
+            <a:ext cx="4128655" cy="800219"/>
+          </a:xfrm>
+          <a:prstGeom prst="rect">
+            <a:avLst/>
+          </a:prstGeom>
+          <a:noFill/>
+        </p:spPr>
+        <p:txBody>
+          <a:bodyPr wrap="square" rtlCol="0">
+            <a:spAutoFit/>
+          </a:bodyPr>
+          <a:lstStyle/>
+          <a:p>
+            <a:pPr algn="ctr"/>
+            <a:r>
+              <a:rPr lang="fr-FR" sz="2800" b="1" dirty="0"/>
+              <a:t>Sous Total : 10656,79 €</a:t>
             </a:r>
           </a:p>
           <a:p>
@@ -4593,10 +4604,9 @@
           <a:p>
             <a:pPr algn="ctr"/>
             <a:r>
-              <a:rPr lang="fr-FR"/>
-              <a:t>Budget interconnexions</a:t>
-            </a:r>
-            <a:endParaRPr lang="fr-FR" dirty="0"/>
+              <a:rPr lang="fr-FR" dirty="0"/>
+              <a:t>Devis interconnexions</a:t>
+            </a:r>
           </a:p>
         </p:txBody>
       </p:sp>
@@ -4616,7 +4626,12 @@
             <p:ph idx="1"/>
           </p:nvPr>
         </p:nvSpPr>
-        <p:spPr/>
+        <p:spPr>
+          <a:xfrm>
+            <a:off x="838200" y="1825625"/>
+            <a:ext cx="10515600" cy="4351338"/>
+          </a:xfrm>
+        </p:spPr>
         <p:txBody>
           <a:bodyPr numCol="2"/>
           <a:lstStyle/>
@@ -4634,26 +4649,28 @@
           </a:p>
           <a:p>
             <a:r>
+              <a:rPr lang="fr-FR" dirty="0" err="1"/>
+              <a:t>Switchs</a:t>
+            </a:r>
+            <a:r>
               <a:rPr lang="fr-FR" dirty="0"/>
-              <a:t>Switch 24 ports : 1047,75 €</a:t>
-            </a:r>
-          </a:p>
-          <a:p>
+              <a:t> 24 ports : 1047,75 €</a:t>
+            </a:r>
+          </a:p>
+          <a:p>
+            <a:r>
+              <a:rPr lang="fr-FR" dirty="0" err="1"/>
+              <a:t>Switchs</a:t>
+            </a:r>
             <a:r>
               <a:rPr lang="fr-FR" dirty="0"/>
-              <a:t>Switch 48 ports : 182,26 €</a:t>
+              <a:t> 48 ports : 182,26 €</a:t>
             </a:r>
           </a:p>
           <a:p>
             <a:r>
               <a:rPr lang="fr-FR" dirty="0"/>
-              <a:t>Point d’accès Wi-Fi : 265,90 €</a:t>
-            </a:r>
-          </a:p>
-          <a:p>
-            <a:r>
-              <a:rPr lang="fr-FR" dirty="0"/>
-              <a:t>Répéteur Wi-Fi : 34,99 €</a:t>
+              <a:t>Points d’accès Wi-Fi : 265,90 €</a:t>
             </a:r>
           </a:p>
           <a:p>
@@ -4666,6 +4683,9 @@
             <a:endParaRPr lang="fr-FR" dirty="0"/>
           </a:p>
           <a:p>
+            <a:endParaRPr lang="fr-FR" dirty="0"/>
+          </a:p>
+          <a:p>
             <a:r>
               <a:rPr lang="fr-FR" dirty="0"/>
               <a:t>Câbles RJ45 5m : 942,82 €</a:t>
@@ -4700,6 +4720,82 @@
               <a:rPr lang="fr-FR" dirty="0"/>
               <a:t>Câble HDMI 50m : 320 €</a:t>
             </a:r>
+          </a:p>
+        </p:txBody>
+      </p:sp>
+      <p:sp>
+        <p:nvSpPr>
+          <p:cNvPr id="4" name="ZoneTexte 3">
+            <a:extLst>
+              <a:ext uri="{FF2B5EF4-FFF2-40B4-BE49-F238E27FC236}">
+                <a16:creationId xmlns:a16="http://schemas.microsoft.com/office/drawing/2014/main" id="{3D4C3560-CED4-4745-910F-BA0666001269}"/>
+              </a:ext>
+            </a:extLst>
+          </p:cNvPr>
+          <p:cNvSpPr txBox="1"/>
+          <p:nvPr/>
+        </p:nvSpPr>
+        <p:spPr>
+          <a:xfrm>
+            <a:off x="6572250" y="5379409"/>
+            <a:ext cx="3906982" cy="800219"/>
+          </a:xfrm>
+          <a:prstGeom prst="rect">
+            <a:avLst/>
+          </a:prstGeom>
+          <a:noFill/>
+        </p:spPr>
+        <p:txBody>
+          <a:bodyPr wrap="square" rtlCol="0">
+            <a:spAutoFit/>
+          </a:bodyPr>
+          <a:lstStyle/>
+          <a:p>
+            <a:r>
+              <a:rPr lang="fr-FR" sz="2800" b="1" dirty="0"/>
+              <a:t>Sous Total : 5427,36 €</a:t>
+            </a:r>
+          </a:p>
+          <a:p>
+            <a:endParaRPr lang="fr-FR" dirty="0"/>
+          </a:p>
+        </p:txBody>
+      </p:sp>
+      <p:sp>
+        <p:nvSpPr>
+          <p:cNvPr id="5" name="ZoneTexte 4">
+            <a:extLst>
+              <a:ext uri="{FF2B5EF4-FFF2-40B4-BE49-F238E27FC236}">
+                <a16:creationId xmlns:a16="http://schemas.microsoft.com/office/drawing/2014/main" id="{9C89998F-972E-40D7-91D8-17296695DA28}"/>
+              </a:ext>
+            </a:extLst>
+          </p:cNvPr>
+          <p:cNvSpPr txBox="1"/>
+          <p:nvPr/>
+        </p:nvSpPr>
+        <p:spPr>
+          <a:xfrm>
+            <a:off x="1712768" y="5379409"/>
+            <a:ext cx="3661062" cy="800219"/>
+          </a:xfrm>
+          <a:prstGeom prst="rect">
+            <a:avLst/>
+          </a:prstGeom>
+          <a:noFill/>
+        </p:spPr>
+        <p:txBody>
+          <a:bodyPr wrap="square" rtlCol="0">
+            <a:spAutoFit/>
+          </a:bodyPr>
+          <a:lstStyle/>
+          <a:p>
+            <a:r>
+              <a:rPr lang="fr-FR" sz="2800" b="1" dirty="0"/>
+              <a:t>Sous Total : 2475,75 €</a:t>
+            </a:r>
+          </a:p>
+          <a:p>
+            <a:endParaRPr lang="fr-FR" dirty="0"/>
           </a:p>
         </p:txBody>
       </p:sp>

--- a/Projet_Réseau/Projet 2.pptx
+++ b/Projet_Réseau/Projet 2.pptx
@@ -269,7 +269,7 @@
           <a:p>
             <a:fld id="{D030C7C0-EEB2-4716-AD63-E01D068BA1F9}" type="datetimeFigureOut">
               <a:rPr lang="fr-FR" smtClean="0"/>
-              <a:t>20/12/2017</a:t>
+              <a:t>21/12/2017</a:t>
             </a:fld>
             <a:endParaRPr lang="fr-FR"/>
           </a:p>
@@ -467,7 +467,7 @@
           <a:p>
             <a:fld id="{D030C7C0-EEB2-4716-AD63-E01D068BA1F9}" type="datetimeFigureOut">
               <a:rPr lang="fr-FR" smtClean="0"/>
-              <a:t>20/12/2017</a:t>
+              <a:t>21/12/2017</a:t>
             </a:fld>
             <a:endParaRPr lang="fr-FR"/>
           </a:p>
@@ -675,7 +675,7 @@
           <a:p>
             <a:fld id="{D030C7C0-EEB2-4716-AD63-E01D068BA1F9}" type="datetimeFigureOut">
               <a:rPr lang="fr-FR" smtClean="0"/>
-              <a:t>20/12/2017</a:t>
+              <a:t>21/12/2017</a:t>
             </a:fld>
             <a:endParaRPr lang="fr-FR"/>
           </a:p>
@@ -873,7 +873,7 @@
           <a:p>
             <a:fld id="{D030C7C0-EEB2-4716-AD63-E01D068BA1F9}" type="datetimeFigureOut">
               <a:rPr lang="fr-FR" smtClean="0"/>
-              <a:t>20/12/2017</a:t>
+              <a:t>21/12/2017</a:t>
             </a:fld>
             <a:endParaRPr lang="fr-FR"/>
           </a:p>
@@ -1148,7 +1148,7 @@
           <a:p>
             <a:fld id="{D030C7C0-EEB2-4716-AD63-E01D068BA1F9}" type="datetimeFigureOut">
               <a:rPr lang="fr-FR" smtClean="0"/>
-              <a:t>20/12/2017</a:t>
+              <a:t>21/12/2017</a:t>
             </a:fld>
             <a:endParaRPr lang="fr-FR"/>
           </a:p>
@@ -1413,7 +1413,7 @@
           <a:p>
             <a:fld id="{D030C7C0-EEB2-4716-AD63-E01D068BA1F9}" type="datetimeFigureOut">
               <a:rPr lang="fr-FR" smtClean="0"/>
-              <a:t>20/12/2017</a:t>
+              <a:t>21/12/2017</a:t>
             </a:fld>
             <a:endParaRPr lang="fr-FR"/>
           </a:p>
@@ -1825,7 +1825,7 @@
           <a:p>
             <a:fld id="{D030C7C0-EEB2-4716-AD63-E01D068BA1F9}" type="datetimeFigureOut">
               <a:rPr lang="fr-FR" smtClean="0"/>
-              <a:t>20/12/2017</a:t>
+              <a:t>21/12/2017</a:t>
             </a:fld>
             <a:endParaRPr lang="fr-FR"/>
           </a:p>
@@ -1966,7 +1966,7 @@
           <a:p>
             <a:fld id="{D030C7C0-EEB2-4716-AD63-E01D068BA1F9}" type="datetimeFigureOut">
               <a:rPr lang="fr-FR" smtClean="0"/>
-              <a:t>20/12/2017</a:t>
+              <a:t>21/12/2017</a:t>
             </a:fld>
             <a:endParaRPr lang="fr-FR"/>
           </a:p>
@@ -2079,7 +2079,7 @@
           <a:p>
             <a:fld id="{D030C7C0-EEB2-4716-AD63-E01D068BA1F9}" type="datetimeFigureOut">
               <a:rPr lang="fr-FR" smtClean="0"/>
-              <a:t>20/12/2017</a:t>
+              <a:t>21/12/2017</a:t>
             </a:fld>
             <a:endParaRPr lang="fr-FR"/>
           </a:p>
@@ -2390,7 +2390,7 @@
           <a:p>
             <a:fld id="{D030C7C0-EEB2-4716-AD63-E01D068BA1F9}" type="datetimeFigureOut">
               <a:rPr lang="fr-FR" smtClean="0"/>
-              <a:t>20/12/2017</a:t>
+              <a:t>21/12/2017</a:t>
             </a:fld>
             <a:endParaRPr lang="fr-FR"/>
           </a:p>
@@ -2678,7 +2678,7 @@
           <a:p>
             <a:fld id="{D030C7C0-EEB2-4716-AD63-E01D068BA1F9}" type="datetimeFigureOut">
               <a:rPr lang="fr-FR" smtClean="0"/>
-              <a:t>20/12/2017</a:t>
+              <a:t>21/12/2017</a:t>
             </a:fld>
             <a:endParaRPr lang="fr-FR"/>
           </a:p>
@@ -2919,7 +2919,7 @@
           <a:p>
             <a:fld id="{D030C7C0-EEB2-4716-AD63-E01D068BA1F9}" type="datetimeFigureOut">
               <a:rPr lang="fr-FR" smtClean="0"/>
-              <a:t>20/12/2017</a:t>
+              <a:t>21/12/2017</a:t>
             </a:fld>
             <a:endParaRPr lang="fr-FR"/>
           </a:p>
@@ -4265,7 +4265,7 @@
           <a:p>
             <a:r>
               <a:rPr lang="fr-FR" dirty="0"/>
-              <a:t>1 D-Link DES-108 (Switch 8 ports)</a:t>
+              <a:t>1 « D-Link DES-108 » (Switch 8 ports)</a:t>
             </a:r>
           </a:p>
           <a:p>
@@ -4402,12 +4402,6 @@
               <a:t>4 Câbles RJ45 catégorie 5e F/UTP 30 m</a:t>
             </a:r>
           </a:p>
-          <a:p>
-            <a:r>
-              <a:rPr lang="fr-FR" dirty="0"/>
-              <a:t>1 Câble HDMI PRO 1.4v 50 m</a:t>
-            </a:r>
-          </a:p>
         </p:txBody>
       </p:sp>
     </p:spTree>
@@ -4492,12 +4486,6 @@
           <a:p>
             <a:r>
               <a:rPr lang="fr-FR" dirty="0"/>
-              <a:t>21 Tables pour les switch LACK Table d'appoint, blanc (146,79 €)</a:t>
-            </a:r>
-          </a:p>
-          <a:p>
-            <a:r>
-              <a:rPr lang="fr-FR" dirty="0"/>
               <a:t>1640m de gaine protège-câble de sécurité 5 cm x 1,2 cm (10414 €)</a:t>
             </a:r>
           </a:p>
@@ -4506,9 +4494,6 @@
               <a:rPr lang="fr-FR" dirty="0"/>
               <a:t>3x(10 x 2,5m) Barrières Vauban (location W-E : 96 €)</a:t>
             </a:r>
-          </a:p>
-          <a:p>
-            <a:endParaRPr lang="fr-FR" dirty="0"/>
           </a:p>
         </p:txBody>
       </p:sp>
